--- a/Lecture Slides/IntroSlides/3_Intro.pptx
+++ b/Lecture Slides/IntroSlides/3_Intro.pptx
@@ -154,10 +154,9 @@
           </a:lstStyle>
           <a:p>
             <a:r>
-              <a:rPr lang="en-US" smtClean="0"/>
+              <a:rPr lang="en-US"/>
               <a:t>Click to edit Master title style</a:t>
             </a:r>
-            <a:endParaRPr lang="en-US"/>
           </a:p>
         </p:txBody>
       </p:sp>
@@ -219,10 +218,9 @@
           </a:lstStyle>
           <a:p>
             <a:r>
-              <a:rPr lang="en-US" smtClean="0"/>
+              <a:rPr lang="en-US"/>
               <a:t>Click to edit Master subtitle style</a:t>
             </a:r>
-            <a:endParaRPr lang="en-US"/>
           </a:p>
         </p:txBody>
       </p:sp>
@@ -243,7 +241,7 @@
           <a:p>
             <a:fld id="{AA15078D-9DE8-47D0-8F0F-AA243E1A2060}" type="datetimeFigureOut">
               <a:rPr lang="en-US" smtClean="0"/>
-              <a:t>8/3/2017</a:t>
+              <a:t>6/10/2022</a:t>
             </a:fld>
             <a:endParaRPr lang="en-US"/>
           </a:p>
@@ -337,10 +335,9 @@
           <a:lstStyle/>
           <a:p>
             <a:r>
-              <a:rPr lang="en-US" smtClean="0"/>
+              <a:rPr lang="en-US"/>
               <a:t>Click to edit Master title style</a:t>
             </a:r>
-            <a:endParaRPr lang="en-US"/>
           </a:p>
         </p:txBody>
       </p:sp>
@@ -361,38 +358,37 @@
           <a:p>
             <a:pPr lvl="0"/>
             <a:r>
-              <a:rPr lang="en-US" smtClean="0"/>
+              <a:rPr lang="en-US"/>
               <a:t>Edit Master text styles</a:t>
             </a:r>
           </a:p>
           <a:p>
             <a:pPr lvl="1"/>
             <a:r>
-              <a:rPr lang="en-US" smtClean="0"/>
+              <a:rPr lang="en-US"/>
               <a:t>Second level</a:t>
             </a:r>
           </a:p>
           <a:p>
             <a:pPr lvl="2"/>
             <a:r>
-              <a:rPr lang="en-US" smtClean="0"/>
+              <a:rPr lang="en-US"/>
               <a:t>Third level</a:t>
             </a:r>
           </a:p>
           <a:p>
             <a:pPr lvl="3"/>
             <a:r>
-              <a:rPr lang="en-US" smtClean="0"/>
+              <a:rPr lang="en-US"/>
               <a:t>Fourth level</a:t>
             </a:r>
           </a:p>
           <a:p>
             <a:pPr lvl="4"/>
             <a:r>
-              <a:rPr lang="en-US" smtClean="0"/>
+              <a:rPr lang="en-US"/>
               <a:t>Fifth level</a:t>
             </a:r>
-            <a:endParaRPr lang="en-US"/>
           </a:p>
         </p:txBody>
       </p:sp>
@@ -413,7 +409,7 @@
           <a:p>
             <a:fld id="{AA15078D-9DE8-47D0-8F0F-AA243E1A2060}" type="datetimeFigureOut">
               <a:rPr lang="en-US" smtClean="0"/>
-              <a:t>8/3/2017</a:t>
+              <a:t>6/10/2022</a:t>
             </a:fld>
             <a:endParaRPr lang="en-US"/>
           </a:p>
@@ -512,10 +508,9 @@
           <a:lstStyle/>
           <a:p>
             <a:r>
-              <a:rPr lang="en-US" smtClean="0"/>
+              <a:rPr lang="en-US"/>
               <a:t>Click to edit Master title style</a:t>
             </a:r>
-            <a:endParaRPr lang="en-US"/>
           </a:p>
         </p:txBody>
       </p:sp>
@@ -541,38 +536,37 @@
           <a:p>
             <a:pPr lvl="0"/>
             <a:r>
-              <a:rPr lang="en-US" smtClean="0"/>
+              <a:rPr lang="en-US"/>
               <a:t>Edit Master text styles</a:t>
             </a:r>
           </a:p>
           <a:p>
             <a:pPr lvl="1"/>
             <a:r>
-              <a:rPr lang="en-US" smtClean="0"/>
+              <a:rPr lang="en-US"/>
               <a:t>Second level</a:t>
             </a:r>
           </a:p>
           <a:p>
             <a:pPr lvl="2"/>
             <a:r>
-              <a:rPr lang="en-US" smtClean="0"/>
+              <a:rPr lang="en-US"/>
               <a:t>Third level</a:t>
             </a:r>
           </a:p>
           <a:p>
             <a:pPr lvl="3"/>
             <a:r>
-              <a:rPr lang="en-US" smtClean="0"/>
+              <a:rPr lang="en-US"/>
               <a:t>Fourth level</a:t>
             </a:r>
           </a:p>
           <a:p>
             <a:pPr lvl="4"/>
             <a:r>
-              <a:rPr lang="en-US" smtClean="0"/>
+              <a:rPr lang="en-US"/>
               <a:t>Fifth level</a:t>
             </a:r>
-            <a:endParaRPr lang="en-US"/>
           </a:p>
         </p:txBody>
       </p:sp>
@@ -593,7 +587,7 @@
           <a:p>
             <a:fld id="{AA15078D-9DE8-47D0-8F0F-AA243E1A2060}" type="datetimeFigureOut">
               <a:rPr lang="en-US" smtClean="0"/>
-              <a:t>8/3/2017</a:t>
+              <a:t>6/10/2022</a:t>
             </a:fld>
             <a:endParaRPr lang="en-US"/>
           </a:p>
@@ -687,10 +681,9 @@
           <a:lstStyle/>
           <a:p>
             <a:r>
-              <a:rPr lang="en-US" smtClean="0"/>
+              <a:rPr lang="en-US"/>
               <a:t>Click to edit Master title style</a:t>
             </a:r>
-            <a:endParaRPr lang="en-US"/>
           </a:p>
         </p:txBody>
       </p:sp>
@@ -711,38 +704,37 @@
           <a:p>
             <a:pPr lvl="0"/>
             <a:r>
-              <a:rPr lang="en-US" smtClean="0"/>
+              <a:rPr lang="en-US"/>
               <a:t>Edit Master text styles</a:t>
             </a:r>
           </a:p>
           <a:p>
             <a:pPr lvl="1"/>
             <a:r>
-              <a:rPr lang="en-US" smtClean="0"/>
+              <a:rPr lang="en-US"/>
               <a:t>Second level</a:t>
             </a:r>
           </a:p>
           <a:p>
             <a:pPr lvl="2"/>
             <a:r>
-              <a:rPr lang="en-US" smtClean="0"/>
+              <a:rPr lang="en-US"/>
               <a:t>Third level</a:t>
             </a:r>
           </a:p>
           <a:p>
             <a:pPr lvl="3"/>
             <a:r>
-              <a:rPr lang="en-US" smtClean="0"/>
+              <a:rPr lang="en-US"/>
               <a:t>Fourth level</a:t>
             </a:r>
           </a:p>
           <a:p>
             <a:pPr lvl="4"/>
             <a:r>
-              <a:rPr lang="en-US" smtClean="0"/>
+              <a:rPr lang="en-US"/>
               <a:t>Fifth level</a:t>
             </a:r>
-            <a:endParaRPr lang="en-US"/>
           </a:p>
         </p:txBody>
       </p:sp>
@@ -763,7 +755,7 @@
           <a:p>
             <a:fld id="{AA15078D-9DE8-47D0-8F0F-AA243E1A2060}" type="datetimeFigureOut">
               <a:rPr lang="en-US" smtClean="0"/>
-              <a:t>8/3/2017</a:t>
+              <a:t>6/10/2022</a:t>
             </a:fld>
             <a:endParaRPr lang="en-US"/>
           </a:p>
@@ -866,10 +858,9 @@
           </a:lstStyle>
           <a:p>
             <a:r>
-              <a:rPr lang="en-US" smtClean="0"/>
+              <a:rPr lang="en-US"/>
               <a:t>Click to edit Master title style</a:t>
             </a:r>
-            <a:endParaRPr lang="en-US"/>
           </a:p>
         </p:txBody>
       </p:sp>
@@ -986,7 +977,7 @@
           <a:p>
             <a:pPr lvl="0"/>
             <a:r>
-              <a:rPr lang="en-US" smtClean="0"/>
+              <a:rPr lang="en-US"/>
               <a:t>Edit Master text styles</a:t>
             </a:r>
           </a:p>
@@ -1009,7 +1000,7 @@
           <a:p>
             <a:fld id="{AA15078D-9DE8-47D0-8F0F-AA243E1A2060}" type="datetimeFigureOut">
               <a:rPr lang="en-US" smtClean="0"/>
-              <a:t>8/3/2017</a:t>
+              <a:t>6/10/2022</a:t>
             </a:fld>
             <a:endParaRPr lang="en-US"/>
           </a:p>
@@ -1103,10 +1094,9 @@
           <a:lstStyle/>
           <a:p>
             <a:r>
-              <a:rPr lang="en-US" smtClean="0"/>
+              <a:rPr lang="en-US"/>
               <a:t>Click to edit Master title style</a:t>
             </a:r>
-            <a:endParaRPr lang="en-US"/>
           </a:p>
         </p:txBody>
       </p:sp>
@@ -1132,38 +1122,37 @@
           <a:p>
             <a:pPr lvl="0"/>
             <a:r>
-              <a:rPr lang="en-US" smtClean="0"/>
+              <a:rPr lang="en-US"/>
               <a:t>Edit Master text styles</a:t>
             </a:r>
           </a:p>
           <a:p>
             <a:pPr lvl="1"/>
             <a:r>
-              <a:rPr lang="en-US" smtClean="0"/>
+              <a:rPr lang="en-US"/>
               <a:t>Second level</a:t>
             </a:r>
           </a:p>
           <a:p>
             <a:pPr lvl="2"/>
             <a:r>
-              <a:rPr lang="en-US" smtClean="0"/>
+              <a:rPr lang="en-US"/>
               <a:t>Third level</a:t>
             </a:r>
           </a:p>
           <a:p>
             <a:pPr lvl="3"/>
             <a:r>
-              <a:rPr lang="en-US" smtClean="0"/>
+              <a:rPr lang="en-US"/>
               <a:t>Fourth level</a:t>
             </a:r>
           </a:p>
           <a:p>
             <a:pPr lvl="4"/>
             <a:r>
-              <a:rPr lang="en-US" smtClean="0"/>
+              <a:rPr lang="en-US"/>
               <a:t>Fifth level</a:t>
             </a:r>
-            <a:endParaRPr lang="en-US"/>
           </a:p>
         </p:txBody>
       </p:sp>
@@ -1189,38 +1178,37 @@
           <a:p>
             <a:pPr lvl="0"/>
             <a:r>
-              <a:rPr lang="en-US" smtClean="0"/>
+              <a:rPr lang="en-US"/>
               <a:t>Edit Master text styles</a:t>
             </a:r>
           </a:p>
           <a:p>
             <a:pPr lvl="1"/>
             <a:r>
-              <a:rPr lang="en-US" smtClean="0"/>
+              <a:rPr lang="en-US"/>
               <a:t>Second level</a:t>
             </a:r>
           </a:p>
           <a:p>
             <a:pPr lvl="2"/>
             <a:r>
-              <a:rPr lang="en-US" smtClean="0"/>
+              <a:rPr lang="en-US"/>
               <a:t>Third level</a:t>
             </a:r>
           </a:p>
           <a:p>
             <a:pPr lvl="3"/>
             <a:r>
-              <a:rPr lang="en-US" smtClean="0"/>
+              <a:rPr lang="en-US"/>
               <a:t>Fourth level</a:t>
             </a:r>
           </a:p>
           <a:p>
             <a:pPr lvl="4"/>
             <a:r>
-              <a:rPr lang="en-US" smtClean="0"/>
+              <a:rPr lang="en-US"/>
               <a:t>Fifth level</a:t>
             </a:r>
-            <a:endParaRPr lang="en-US"/>
           </a:p>
         </p:txBody>
       </p:sp>
@@ -1241,7 +1229,7 @@
           <a:p>
             <a:fld id="{AA15078D-9DE8-47D0-8F0F-AA243E1A2060}" type="datetimeFigureOut">
               <a:rPr lang="en-US" smtClean="0"/>
-              <a:t>8/3/2017</a:t>
+              <a:t>6/10/2022</a:t>
             </a:fld>
             <a:endParaRPr lang="en-US"/>
           </a:p>
@@ -1340,10 +1328,9 @@
           <a:lstStyle/>
           <a:p>
             <a:r>
-              <a:rPr lang="en-US" smtClean="0"/>
+              <a:rPr lang="en-US"/>
               <a:t>Click to edit Master title style</a:t>
             </a:r>
-            <a:endParaRPr lang="en-US"/>
           </a:p>
         </p:txBody>
       </p:sp>
@@ -1406,7 +1393,7 @@
           <a:p>
             <a:pPr lvl="0"/>
             <a:r>
-              <a:rPr lang="en-US" smtClean="0"/>
+              <a:rPr lang="en-US"/>
               <a:t>Edit Master text styles</a:t>
             </a:r>
           </a:p>
@@ -1434,38 +1421,37 @@
           <a:p>
             <a:pPr lvl="0"/>
             <a:r>
-              <a:rPr lang="en-US" smtClean="0"/>
+              <a:rPr lang="en-US"/>
               <a:t>Edit Master text styles</a:t>
             </a:r>
           </a:p>
           <a:p>
             <a:pPr lvl="1"/>
             <a:r>
-              <a:rPr lang="en-US" smtClean="0"/>
+              <a:rPr lang="en-US"/>
               <a:t>Second level</a:t>
             </a:r>
           </a:p>
           <a:p>
             <a:pPr lvl="2"/>
             <a:r>
-              <a:rPr lang="en-US" smtClean="0"/>
+              <a:rPr lang="en-US"/>
               <a:t>Third level</a:t>
             </a:r>
           </a:p>
           <a:p>
             <a:pPr lvl="3"/>
             <a:r>
-              <a:rPr lang="en-US" smtClean="0"/>
+              <a:rPr lang="en-US"/>
               <a:t>Fourth level</a:t>
             </a:r>
           </a:p>
           <a:p>
             <a:pPr lvl="4"/>
             <a:r>
-              <a:rPr lang="en-US" smtClean="0"/>
+              <a:rPr lang="en-US"/>
               <a:t>Fifth level</a:t>
             </a:r>
-            <a:endParaRPr lang="en-US"/>
           </a:p>
         </p:txBody>
       </p:sp>
@@ -1528,7 +1514,7 @@
           <a:p>
             <a:pPr lvl="0"/>
             <a:r>
-              <a:rPr lang="en-US" smtClean="0"/>
+              <a:rPr lang="en-US"/>
               <a:t>Edit Master text styles</a:t>
             </a:r>
           </a:p>
@@ -1556,38 +1542,37 @@
           <a:p>
             <a:pPr lvl="0"/>
             <a:r>
-              <a:rPr lang="en-US" smtClean="0"/>
+              <a:rPr lang="en-US"/>
               <a:t>Edit Master text styles</a:t>
             </a:r>
           </a:p>
           <a:p>
             <a:pPr lvl="1"/>
             <a:r>
-              <a:rPr lang="en-US" smtClean="0"/>
+              <a:rPr lang="en-US"/>
               <a:t>Second level</a:t>
             </a:r>
           </a:p>
           <a:p>
             <a:pPr lvl="2"/>
             <a:r>
-              <a:rPr lang="en-US" smtClean="0"/>
+              <a:rPr lang="en-US"/>
               <a:t>Third level</a:t>
             </a:r>
           </a:p>
           <a:p>
             <a:pPr lvl="3"/>
             <a:r>
-              <a:rPr lang="en-US" smtClean="0"/>
+              <a:rPr lang="en-US"/>
               <a:t>Fourth level</a:t>
             </a:r>
           </a:p>
           <a:p>
             <a:pPr lvl="4"/>
             <a:r>
-              <a:rPr lang="en-US" smtClean="0"/>
+              <a:rPr lang="en-US"/>
               <a:t>Fifth level</a:t>
             </a:r>
-            <a:endParaRPr lang="en-US"/>
           </a:p>
         </p:txBody>
       </p:sp>
@@ -1608,7 +1593,7 @@
           <a:p>
             <a:fld id="{AA15078D-9DE8-47D0-8F0F-AA243E1A2060}" type="datetimeFigureOut">
               <a:rPr lang="en-US" smtClean="0"/>
-              <a:t>8/3/2017</a:t>
+              <a:t>6/10/2022</a:t>
             </a:fld>
             <a:endParaRPr lang="en-US"/>
           </a:p>
@@ -1702,10 +1687,9 @@
           <a:lstStyle/>
           <a:p>
             <a:r>
-              <a:rPr lang="en-US" smtClean="0"/>
+              <a:rPr lang="en-US"/>
               <a:t>Click to edit Master title style</a:t>
             </a:r>
-            <a:endParaRPr lang="en-US"/>
           </a:p>
         </p:txBody>
       </p:sp>
@@ -1726,7 +1710,7 @@
           <a:p>
             <a:fld id="{AA15078D-9DE8-47D0-8F0F-AA243E1A2060}" type="datetimeFigureOut">
               <a:rPr lang="en-US" smtClean="0"/>
-              <a:t>8/3/2017</a:t>
+              <a:t>6/10/2022</a:t>
             </a:fld>
             <a:endParaRPr lang="en-US"/>
           </a:p>
@@ -1821,7 +1805,7 @@
           <a:p>
             <a:fld id="{AA15078D-9DE8-47D0-8F0F-AA243E1A2060}" type="datetimeFigureOut">
               <a:rPr lang="en-US" smtClean="0"/>
-              <a:t>8/3/2017</a:t>
+              <a:t>6/10/2022</a:t>
             </a:fld>
             <a:endParaRPr lang="en-US"/>
           </a:p>
@@ -1924,10 +1908,9 @@
           </a:lstStyle>
           <a:p>
             <a:r>
-              <a:rPr lang="en-US" smtClean="0"/>
+              <a:rPr lang="en-US"/>
               <a:t>Click to edit Master title style</a:t>
             </a:r>
-            <a:endParaRPr lang="en-US"/>
           </a:p>
         </p:txBody>
       </p:sp>
@@ -1981,38 +1964,37 @@
           <a:p>
             <a:pPr lvl="0"/>
             <a:r>
-              <a:rPr lang="en-US" smtClean="0"/>
+              <a:rPr lang="en-US"/>
               <a:t>Edit Master text styles</a:t>
             </a:r>
           </a:p>
           <a:p>
             <a:pPr lvl="1"/>
             <a:r>
-              <a:rPr lang="en-US" smtClean="0"/>
+              <a:rPr lang="en-US"/>
               <a:t>Second level</a:t>
             </a:r>
           </a:p>
           <a:p>
             <a:pPr lvl="2"/>
             <a:r>
-              <a:rPr lang="en-US" smtClean="0"/>
+              <a:rPr lang="en-US"/>
               <a:t>Third level</a:t>
             </a:r>
           </a:p>
           <a:p>
             <a:pPr lvl="3"/>
             <a:r>
-              <a:rPr lang="en-US" smtClean="0"/>
+              <a:rPr lang="en-US"/>
               <a:t>Fourth level</a:t>
             </a:r>
           </a:p>
           <a:p>
             <a:pPr lvl="4"/>
             <a:r>
-              <a:rPr lang="en-US" smtClean="0"/>
+              <a:rPr lang="en-US"/>
               <a:t>Fifth level</a:t>
             </a:r>
-            <a:endParaRPr lang="en-US"/>
           </a:p>
         </p:txBody>
       </p:sp>
@@ -2075,7 +2057,7 @@
           <a:p>
             <a:pPr lvl="0"/>
             <a:r>
-              <a:rPr lang="en-US" smtClean="0"/>
+              <a:rPr lang="en-US"/>
               <a:t>Edit Master text styles</a:t>
             </a:r>
           </a:p>
@@ -2098,7 +2080,7 @@
           <a:p>
             <a:fld id="{AA15078D-9DE8-47D0-8F0F-AA243E1A2060}" type="datetimeFigureOut">
               <a:rPr lang="en-US" smtClean="0"/>
-              <a:t>8/3/2017</a:t>
+              <a:t>6/10/2022</a:t>
             </a:fld>
             <a:endParaRPr lang="en-US"/>
           </a:p>
@@ -2201,10 +2183,9 @@
           </a:lstStyle>
           <a:p>
             <a:r>
-              <a:rPr lang="en-US" smtClean="0"/>
+              <a:rPr lang="en-US"/>
               <a:t>Click to edit Master title style</a:t>
             </a:r>
-            <a:endParaRPr lang="en-US"/>
           </a:p>
         </p:txBody>
       </p:sp>
@@ -2328,7 +2309,7 @@
           <a:p>
             <a:pPr lvl="0"/>
             <a:r>
-              <a:rPr lang="en-US" smtClean="0"/>
+              <a:rPr lang="en-US"/>
               <a:t>Edit Master text styles</a:t>
             </a:r>
           </a:p>
@@ -2351,7 +2332,7 @@
           <a:p>
             <a:fld id="{AA15078D-9DE8-47D0-8F0F-AA243E1A2060}" type="datetimeFigureOut">
               <a:rPr lang="en-US" smtClean="0"/>
-              <a:t>8/3/2017</a:t>
+              <a:t>6/10/2022</a:t>
             </a:fld>
             <a:endParaRPr lang="en-US"/>
           </a:p>
@@ -2460,10 +2441,9 @@
           <a:lstStyle/>
           <a:p>
             <a:r>
-              <a:rPr lang="en-US" smtClean="0"/>
+              <a:rPr lang="en-US"/>
               <a:t>Click to edit Master title style</a:t>
             </a:r>
-            <a:endParaRPr lang="en-US"/>
           </a:p>
         </p:txBody>
       </p:sp>
@@ -2494,38 +2474,37 @@
           <a:p>
             <a:pPr lvl="0"/>
             <a:r>
-              <a:rPr lang="en-US" smtClean="0"/>
+              <a:rPr lang="en-US"/>
               <a:t>Edit Master text styles</a:t>
             </a:r>
           </a:p>
           <a:p>
             <a:pPr lvl="1"/>
             <a:r>
-              <a:rPr lang="en-US" smtClean="0"/>
+              <a:rPr lang="en-US"/>
               <a:t>Second level</a:t>
             </a:r>
           </a:p>
           <a:p>
             <a:pPr lvl="2"/>
             <a:r>
-              <a:rPr lang="en-US" smtClean="0"/>
+              <a:rPr lang="en-US"/>
               <a:t>Third level</a:t>
             </a:r>
           </a:p>
           <a:p>
             <a:pPr lvl="3"/>
             <a:r>
-              <a:rPr lang="en-US" smtClean="0"/>
+              <a:rPr lang="en-US"/>
               <a:t>Fourth level</a:t>
             </a:r>
           </a:p>
           <a:p>
             <a:pPr lvl="4"/>
             <a:r>
-              <a:rPr lang="en-US" smtClean="0"/>
+              <a:rPr lang="en-US"/>
               <a:t>Fifth level</a:t>
             </a:r>
-            <a:endParaRPr lang="en-US"/>
           </a:p>
         </p:txBody>
       </p:sp>
@@ -2564,7 +2543,7 @@
           <a:p>
             <a:fld id="{AA15078D-9DE8-47D0-8F0F-AA243E1A2060}" type="datetimeFigureOut">
               <a:rPr lang="en-US" smtClean="0"/>
-              <a:t>8/3/2017</a:t>
+              <a:t>6/10/2022</a:t>
             </a:fld>
             <a:endParaRPr lang="en-US"/>
           </a:p>
@@ -2977,8 +2956,8 @@
         </p:nvSpPr>
         <p:spPr>
           <a:xfrm>
-            <a:off x="643027" y="940137"/>
-            <a:ext cx="6212916" cy="5449456"/>
+            <a:off x="643027" y="1915233"/>
+            <a:ext cx="6212916" cy="3929830"/>
           </a:xfrm>
           <a:prstGeom prst="roundRect">
             <a:avLst>
@@ -3013,50 +2992,57 @@
           <a:lstStyle/>
           <a:p>
             <a:pPr algn="ctr"/>
-            <a:endParaRPr lang="en-US"/>
-          </a:p>
-        </p:txBody>
-      </p:sp>
-      <p:sp>
-        <p:nvSpPr>
-          <p:cNvPr id="4" name="Rounded Rectangle 3"/>
-          <p:cNvSpPr/>
-          <p:nvPr/>
-        </p:nvSpPr>
-        <p:spPr>
-          <a:xfrm>
-            <a:off x="2884307" y="1476185"/>
-            <a:ext cx="1560945" cy="877454"/>
-          </a:xfrm>
-          <a:prstGeom prst="roundRect">
-            <a:avLst/>
-          </a:prstGeom>
-        </p:spPr>
-        <p:style>
-          <a:lnRef idx="2">
-            <a:schemeClr val="accent6">
-              <a:shade val="50000"/>
-            </a:schemeClr>
-          </a:lnRef>
-          <a:fillRef idx="1">
-            <a:schemeClr val="accent6"/>
-          </a:fillRef>
-          <a:effectRef idx="0">
-            <a:schemeClr val="accent6"/>
-          </a:effectRef>
-          <a:fontRef idx="minor">
-            <a:schemeClr val="lt1"/>
-          </a:fontRef>
-        </p:style>
-        <p:txBody>
-          <a:bodyPr rtlCol="0" anchor="ctr"/>
-          <a:lstStyle/>
+            <a:r>
+              <a:rPr lang="en-US" dirty="0"/>
+              <a:t>Moment of a Force</a:t>
+            </a:r>
+          </a:p>
           <a:p>
             <a:pPr algn="ctr"/>
-            <a:r>
-              <a:rPr lang="en-US" dirty="0" smtClean="0"/>
-              <a:t>Moments</a:t>
-            </a:r>
+            <a:endParaRPr lang="en-US" dirty="0"/>
+          </a:p>
+          <a:p>
+            <a:pPr algn="ctr"/>
+            <a:endParaRPr lang="en-US" dirty="0"/>
+          </a:p>
+          <a:p>
+            <a:pPr algn="ctr"/>
+            <a:endParaRPr lang="en-US" dirty="0"/>
+          </a:p>
+          <a:p>
+            <a:pPr algn="ctr"/>
+            <a:endParaRPr lang="en-US" dirty="0"/>
+          </a:p>
+          <a:p>
+            <a:pPr algn="ctr"/>
+            <a:endParaRPr lang="en-US" dirty="0"/>
+          </a:p>
+          <a:p>
+            <a:pPr algn="ctr"/>
+            <a:endParaRPr lang="en-US" dirty="0"/>
+          </a:p>
+          <a:p>
+            <a:pPr algn="ctr"/>
+            <a:endParaRPr lang="en-US" dirty="0"/>
+          </a:p>
+          <a:p>
+            <a:pPr algn="ctr"/>
+            <a:endParaRPr lang="en-US" dirty="0"/>
+          </a:p>
+          <a:p>
+            <a:pPr algn="ctr"/>
+            <a:endParaRPr lang="en-US" dirty="0"/>
+          </a:p>
+          <a:p>
+            <a:pPr algn="ctr"/>
+            <a:endParaRPr lang="en-US" dirty="0"/>
+          </a:p>
+          <a:p>
+            <a:pPr algn="ctr"/>
+            <a:endParaRPr lang="en-US" dirty="0"/>
+          </a:p>
+          <a:p>
+            <a:pPr algn="ctr"/>
             <a:endParaRPr lang="en-US" dirty="0"/>
           </a:p>
         </p:txBody>
@@ -3069,7 +3055,7 @@
         </p:nvSpPr>
         <p:spPr>
           <a:xfrm>
-            <a:off x="8556891" y="1087678"/>
+            <a:off x="9747438" y="2495739"/>
             <a:ext cx="1874012" cy="1372084"/>
           </a:xfrm>
           <a:prstGeom prst="roundRect">
@@ -3098,26 +3084,155 @@
           <a:p>
             <a:pPr algn="ctr"/>
             <a:r>
-              <a:rPr lang="en-US" dirty="0" smtClean="0"/>
+              <a:rPr lang="en-US" dirty="0"/>
               <a:t>Equilibrium Analysis for a Concurrent Force System</a:t>
             </a:r>
-            <a:endParaRPr lang="en-US" dirty="0"/>
+          </a:p>
+        </p:txBody>
+      </p:sp>
+      <p:sp>
+        <p:nvSpPr>
+          <p:cNvPr id="32" name="Rounded Rectangle 31"/>
+          <p:cNvSpPr/>
+          <p:nvPr/>
+        </p:nvSpPr>
+        <p:spPr>
+          <a:xfrm>
+            <a:off x="7465662" y="4672303"/>
+            <a:ext cx="1874012" cy="1372084"/>
+          </a:xfrm>
+          <a:prstGeom prst="roundRect">
+            <a:avLst/>
+          </a:prstGeom>
+        </p:spPr>
+        <p:style>
+          <a:lnRef idx="2">
+            <a:schemeClr val="accent1">
+              <a:shade val="50000"/>
+            </a:schemeClr>
+          </a:lnRef>
+          <a:fillRef idx="1">
+            <a:schemeClr val="accent1"/>
+          </a:fillRef>
+          <a:effectRef idx="0">
+            <a:schemeClr val="accent1"/>
+          </a:effectRef>
+          <a:fontRef idx="minor">
+            <a:schemeClr val="lt1"/>
+          </a:fontRef>
+        </p:style>
+        <p:txBody>
+          <a:bodyPr rtlCol="0" anchor="ctr"/>
+          <a:lstStyle/>
+          <a:p>
+            <a:pPr algn="ctr"/>
+            <a:r>
+              <a:rPr lang="en-US" dirty="0"/>
+              <a:t>Equilibrium Analysis for Rigid Body Systems</a:t>
+            </a:r>
+          </a:p>
+        </p:txBody>
+      </p:sp>
+      <p:sp>
+        <p:nvSpPr>
+          <p:cNvPr id="35" name="Rounded Rectangle 34"/>
+          <p:cNvSpPr/>
+          <p:nvPr/>
+        </p:nvSpPr>
+        <p:spPr>
+          <a:xfrm>
+            <a:off x="816545" y="2698076"/>
+            <a:ext cx="1877174" cy="1224601"/>
+          </a:xfrm>
+          <a:prstGeom prst="roundRect">
+            <a:avLst/>
+          </a:prstGeom>
+        </p:spPr>
+        <p:style>
+          <a:lnRef idx="2">
+            <a:schemeClr val="accent1">
+              <a:shade val="50000"/>
+            </a:schemeClr>
+          </a:lnRef>
+          <a:fillRef idx="1">
+            <a:schemeClr val="accent1"/>
+          </a:fillRef>
+          <a:effectRef idx="0">
+            <a:schemeClr val="accent1"/>
+          </a:effectRef>
+          <a:fontRef idx="minor">
+            <a:schemeClr val="lt1"/>
+          </a:fontRef>
+        </p:style>
+        <p:txBody>
+          <a:bodyPr rtlCol="0" anchor="ctr"/>
+          <a:lstStyle/>
+          <a:p>
+            <a:pPr algn="ctr"/>
+            <a:r>
+              <a:rPr lang="en-US" dirty="0"/>
+              <a:t>Moment of a Force about a Point (Scalar Calculations)</a:t>
+            </a:r>
+          </a:p>
+        </p:txBody>
+      </p:sp>
+      <p:sp>
+        <p:nvSpPr>
+          <p:cNvPr id="52" name="Rounded Rectangle 51"/>
+          <p:cNvSpPr/>
+          <p:nvPr/>
+        </p:nvSpPr>
+        <p:spPr>
+          <a:xfrm>
+            <a:off x="3015188" y="2698076"/>
+            <a:ext cx="1364311" cy="1014844"/>
+          </a:xfrm>
+          <a:prstGeom prst="roundRect">
+            <a:avLst/>
+          </a:prstGeom>
+        </p:spPr>
+        <p:style>
+          <a:lnRef idx="2">
+            <a:schemeClr val="accent1">
+              <a:shade val="50000"/>
+            </a:schemeClr>
+          </a:lnRef>
+          <a:fillRef idx="1">
+            <a:schemeClr val="accent1"/>
+          </a:fillRef>
+          <a:effectRef idx="0">
+            <a:schemeClr val="accent1"/>
+          </a:effectRef>
+          <a:fontRef idx="minor">
+            <a:schemeClr val="lt1"/>
+          </a:fontRef>
+        </p:style>
+        <p:txBody>
+          <a:bodyPr rtlCol="0" anchor="ctr"/>
+          <a:lstStyle/>
+          <a:p>
+            <a:pPr algn="ctr"/>
+            <a:r>
+              <a:rPr lang="en-US" dirty="0"/>
+              <a:t>Couples</a:t>
+            </a:r>
           </a:p>
         </p:txBody>
       </p:sp>
       <p:cxnSp>
         <p:nvCxnSpPr>
-          <p:cNvPr id="78" name="Straight Arrow Connector 77"/>
+          <p:cNvPr id="56" name="Straight Arrow Connector 55"/>
           <p:cNvCxnSpPr>
-            <a:stCxn id="6" idx="2"/>
-            <a:endCxn id="32" idx="0"/>
+            <a:cxnSpLocks/>
+            <a:stCxn id="19" idx="2"/>
+            <a:endCxn id="34" idx="0"/>
           </p:cNvCxnSpPr>
           <p:nvPr/>
         </p:nvCxnSpPr>
         <p:spPr>
-          <a:xfrm>
-            <a:off x="9493897" y="2459762"/>
-            <a:ext cx="0" cy="2410207"/>
+          <a:xfrm flipH="1">
+            <a:off x="3749485" y="1499655"/>
+            <a:ext cx="2978" cy="415578"/>
           </a:xfrm>
           <a:prstGeom prst="straightConnector1">
             <a:avLst/>
@@ -3143,61 +3258,13 @@
       </p:cxnSp>
       <p:sp>
         <p:nvSpPr>
-          <p:cNvPr id="32" name="Rounded Rectangle 31"/>
+          <p:cNvPr id="63" name="Rounded Rectangle 62"/>
           <p:cNvSpPr/>
           <p:nvPr/>
         </p:nvSpPr>
         <p:spPr>
           <a:xfrm>
-            <a:off x="8556891" y="4869969"/>
-            <a:ext cx="1874012" cy="1372084"/>
-          </a:xfrm>
-          <a:prstGeom prst="roundRect">
-            <a:avLst/>
-          </a:prstGeom>
-        </p:spPr>
-        <p:style>
-          <a:lnRef idx="2">
-            <a:schemeClr val="accent1">
-              <a:shade val="50000"/>
-            </a:schemeClr>
-          </a:lnRef>
-          <a:fillRef idx="1">
-            <a:schemeClr val="accent1"/>
-          </a:fillRef>
-          <a:effectRef idx="0">
-            <a:schemeClr val="accent1"/>
-          </a:effectRef>
-          <a:fontRef idx="minor">
-            <a:schemeClr val="lt1"/>
-          </a:fontRef>
-        </p:style>
-        <p:txBody>
-          <a:bodyPr rtlCol="0" anchor="ctr"/>
-          <a:lstStyle/>
-          <a:p>
-            <a:pPr algn="ctr"/>
-            <a:r>
-              <a:rPr lang="en-US" dirty="0" smtClean="0"/>
-              <a:t>Equilibrium Analysis for </a:t>
-            </a:r>
-            <a:r>
-              <a:rPr lang="en-US" dirty="0" smtClean="0"/>
-              <a:t>Extended Body Systems</a:t>
-            </a:r>
-            <a:endParaRPr lang="en-US" dirty="0"/>
-          </a:p>
-        </p:txBody>
-      </p:sp>
-      <p:sp>
-        <p:nvSpPr>
-          <p:cNvPr id="35" name="Rounded Rectangle 34"/>
-          <p:cNvSpPr/>
-          <p:nvPr/>
-        </p:nvSpPr>
-        <p:spPr>
-          <a:xfrm>
-            <a:off x="864090" y="3229123"/>
+            <a:off x="816545" y="4460270"/>
             <a:ext cx="1877174" cy="1015661"/>
           </a:xfrm>
           <a:prstGeom prst="roundRect">
@@ -3226,22 +3293,21 @@
           <a:p>
             <a:pPr algn="ctr"/>
             <a:r>
-              <a:rPr lang="en-US" dirty="0" smtClean="0"/>
-              <a:t>Moment about a Point (Scalar Calculations)</a:t>
-            </a:r>
-            <a:endParaRPr lang="en-US" dirty="0"/>
-          </a:p>
-        </p:txBody>
-      </p:sp>
-      <p:sp>
-        <p:nvSpPr>
-          <p:cNvPr id="37" name="Rounded Rectangle 36"/>
+              <a:rPr lang="en-US" dirty="0"/>
+              <a:t>Varignon’s Theorem</a:t>
+            </a:r>
+          </a:p>
+        </p:txBody>
+      </p:sp>
+      <p:sp>
+        <p:nvSpPr>
+          <p:cNvPr id="64" name="Rounded Rectangle 63"/>
           <p:cNvSpPr/>
           <p:nvPr/>
         </p:nvSpPr>
         <p:spPr>
           <a:xfrm>
-            <a:off x="4462504" y="3229123"/>
+            <a:off x="4746399" y="4460271"/>
             <a:ext cx="1877174" cy="1015661"/>
           </a:xfrm>
           <a:prstGeom prst="roundRect">
@@ -3270,273 +3336,26 @@
           <a:p>
             <a:pPr algn="ctr"/>
             <a:r>
-              <a:rPr lang="en-US" dirty="0" smtClean="0"/>
-              <a:t>Moment about a Point (Vector Calculations)</a:t>
-            </a:r>
-            <a:endParaRPr lang="en-US" dirty="0"/>
+              <a:rPr lang="en-US" dirty="0"/>
+              <a:t>Moment about an Axis</a:t>
+            </a:r>
           </a:p>
         </p:txBody>
       </p:sp>
       <p:cxnSp>
         <p:nvCxnSpPr>
-          <p:cNvPr id="39" name="Straight Arrow Connector 38"/>
+          <p:cNvPr id="65" name="Straight Arrow Connector 64"/>
           <p:cNvCxnSpPr>
-            <a:stCxn id="4" idx="2"/>
-            <a:endCxn id="35" idx="0"/>
-          </p:cNvCxnSpPr>
-          <p:nvPr/>
-        </p:nvCxnSpPr>
-        <p:spPr>
-          <a:xfrm flipH="1">
-            <a:off x="1802677" y="2353639"/>
-            <a:ext cx="1862103" cy="875484"/>
-          </a:xfrm>
-          <a:prstGeom prst="straightConnector1">
-            <a:avLst/>
-          </a:prstGeom>
-          <a:ln w="38100">
-            <a:tailEnd type="triangle"/>
-          </a:ln>
-        </p:spPr>
-        <p:style>
-          <a:lnRef idx="3">
-            <a:schemeClr val="dk1"/>
-          </a:lnRef>
-          <a:fillRef idx="0">
-            <a:schemeClr val="dk1"/>
-          </a:fillRef>
-          <a:effectRef idx="2">
-            <a:schemeClr val="dk1"/>
-          </a:effectRef>
-          <a:fontRef idx="minor">
-            <a:schemeClr val="tx1"/>
-          </a:fontRef>
-        </p:style>
-      </p:cxnSp>
-      <p:cxnSp>
-        <p:nvCxnSpPr>
-          <p:cNvPr id="41" name="Straight Arrow Connector 40"/>
-          <p:cNvCxnSpPr>
-            <a:stCxn id="4" idx="2"/>
-            <a:endCxn id="37" idx="0"/>
+            <a:cxnSpLocks/>
+            <a:stCxn id="26" idx="2"/>
+            <a:endCxn id="64" idx="0"/>
           </p:cNvCxnSpPr>
           <p:nvPr/>
         </p:nvCxnSpPr>
         <p:spPr>
           <a:xfrm>
-            <a:off x="3664780" y="2353639"/>
-            <a:ext cx="1736311" cy="875484"/>
-          </a:xfrm>
-          <a:prstGeom prst="straightConnector1">
-            <a:avLst/>
-          </a:prstGeom>
-          <a:ln w="38100">
-            <a:tailEnd type="triangle"/>
-          </a:ln>
-        </p:spPr>
-        <p:style>
-          <a:lnRef idx="3">
-            <a:schemeClr val="dk1"/>
-          </a:lnRef>
-          <a:fillRef idx="0">
-            <a:schemeClr val="dk1"/>
-          </a:fillRef>
-          <a:effectRef idx="2">
-            <a:schemeClr val="dk1"/>
-          </a:effectRef>
-          <a:fontRef idx="minor">
-            <a:schemeClr val="tx1"/>
-          </a:fontRef>
-        </p:style>
-      </p:cxnSp>
-      <p:sp>
-        <p:nvSpPr>
-          <p:cNvPr id="52" name="Rounded Rectangle 51"/>
-          <p:cNvSpPr/>
-          <p:nvPr/>
-        </p:nvSpPr>
-        <p:spPr>
-          <a:xfrm>
-            <a:off x="5153532" y="1407490"/>
-            <a:ext cx="1364311" cy="1014844"/>
-          </a:xfrm>
-          <a:prstGeom prst="roundRect">
-            <a:avLst/>
-          </a:prstGeom>
-        </p:spPr>
-        <p:style>
-          <a:lnRef idx="2">
-            <a:schemeClr val="accent1">
-              <a:shade val="50000"/>
-            </a:schemeClr>
-          </a:lnRef>
-          <a:fillRef idx="1">
-            <a:schemeClr val="accent1"/>
-          </a:fillRef>
-          <a:effectRef idx="0">
-            <a:schemeClr val="accent1"/>
-          </a:effectRef>
-          <a:fontRef idx="minor">
-            <a:schemeClr val="lt1"/>
-          </a:fontRef>
-        </p:style>
-        <p:txBody>
-          <a:bodyPr rtlCol="0" anchor="ctr"/>
-          <a:lstStyle/>
-          <a:p>
-            <a:pPr algn="ctr"/>
-            <a:r>
-              <a:rPr lang="en-US" dirty="0" smtClean="0"/>
-              <a:t>Couples</a:t>
-            </a:r>
-            <a:endParaRPr lang="en-US" dirty="0"/>
-          </a:p>
-        </p:txBody>
-      </p:sp>
-      <p:cxnSp>
-        <p:nvCxnSpPr>
-          <p:cNvPr id="56" name="Straight Arrow Connector 55"/>
-          <p:cNvCxnSpPr>
-            <a:stCxn id="4" idx="3"/>
-            <a:endCxn id="52" idx="1"/>
-          </p:cNvCxnSpPr>
-          <p:nvPr/>
-        </p:nvCxnSpPr>
-        <p:spPr>
-          <a:xfrm>
-            <a:off x="4445252" y="1914912"/>
-            <a:ext cx="708280" cy="0"/>
-          </a:xfrm>
-          <a:prstGeom prst="straightConnector1">
-            <a:avLst/>
-          </a:prstGeom>
-          <a:ln w="38100">
-            <a:tailEnd type="triangle"/>
-          </a:ln>
-        </p:spPr>
-        <p:style>
-          <a:lnRef idx="3">
-            <a:schemeClr val="dk1"/>
-          </a:lnRef>
-          <a:fillRef idx="0">
-            <a:schemeClr val="dk1"/>
-          </a:fillRef>
-          <a:effectRef idx="2">
-            <a:schemeClr val="dk1"/>
-          </a:effectRef>
-          <a:fontRef idx="minor">
-            <a:schemeClr val="tx1"/>
-          </a:fontRef>
-        </p:style>
-      </p:cxnSp>
-      <p:sp>
-        <p:nvSpPr>
-          <p:cNvPr id="63" name="Rounded Rectangle 62"/>
-          <p:cNvSpPr/>
-          <p:nvPr/>
-        </p:nvSpPr>
-        <p:spPr>
-          <a:xfrm>
-            <a:off x="864090" y="5002747"/>
-            <a:ext cx="1877174" cy="1015661"/>
-          </a:xfrm>
-          <a:prstGeom prst="roundRect">
-            <a:avLst/>
-          </a:prstGeom>
-        </p:spPr>
-        <p:style>
-          <a:lnRef idx="2">
-            <a:schemeClr val="accent1">
-              <a:shade val="50000"/>
-            </a:schemeClr>
-          </a:lnRef>
-          <a:fillRef idx="1">
-            <a:schemeClr val="accent1"/>
-          </a:fillRef>
-          <a:effectRef idx="0">
-            <a:schemeClr val="accent1"/>
-          </a:effectRef>
-          <a:fontRef idx="minor">
-            <a:schemeClr val="lt1"/>
-          </a:fontRef>
-        </p:style>
-        <p:txBody>
-          <a:bodyPr rtlCol="0" anchor="ctr"/>
-          <a:lstStyle/>
-          <a:p>
-            <a:pPr algn="ctr"/>
-            <a:r>
-              <a:rPr lang="en-US" dirty="0" err="1" smtClean="0"/>
-              <a:t>Varignon’s</a:t>
-            </a:r>
-            <a:r>
-              <a:rPr lang="en-US" dirty="0" smtClean="0"/>
-              <a:t> </a:t>
-            </a:r>
-            <a:r>
-              <a:rPr lang="en-US" dirty="0" err="1" smtClean="0"/>
-              <a:t>Therorem</a:t>
-            </a:r>
-            <a:endParaRPr lang="en-US" dirty="0"/>
-          </a:p>
-        </p:txBody>
-      </p:sp>
-      <p:sp>
-        <p:nvSpPr>
-          <p:cNvPr id="64" name="Rounded Rectangle 63"/>
-          <p:cNvSpPr/>
-          <p:nvPr/>
-        </p:nvSpPr>
-        <p:spPr>
-          <a:xfrm>
-            <a:off x="4462504" y="4942057"/>
-            <a:ext cx="1877174" cy="1015661"/>
-          </a:xfrm>
-          <a:prstGeom prst="roundRect">
-            <a:avLst/>
-          </a:prstGeom>
-        </p:spPr>
-        <p:style>
-          <a:lnRef idx="2">
-            <a:schemeClr val="accent1">
-              <a:shade val="50000"/>
-            </a:schemeClr>
-          </a:lnRef>
-          <a:fillRef idx="1">
-            <a:schemeClr val="accent1"/>
-          </a:fillRef>
-          <a:effectRef idx="0">
-            <a:schemeClr val="accent1"/>
-          </a:effectRef>
-          <a:fontRef idx="minor">
-            <a:schemeClr val="lt1"/>
-          </a:fontRef>
-        </p:style>
-        <p:txBody>
-          <a:bodyPr rtlCol="0" anchor="ctr"/>
-          <a:lstStyle/>
-          <a:p>
-            <a:pPr algn="ctr"/>
-            <a:r>
-              <a:rPr lang="en-US" dirty="0" smtClean="0"/>
-              <a:t>Moment about an Axis</a:t>
-            </a:r>
-            <a:endParaRPr lang="en-US" dirty="0"/>
-          </a:p>
-        </p:txBody>
-      </p:sp>
-      <p:cxnSp>
-        <p:nvCxnSpPr>
-          <p:cNvPr id="65" name="Straight Arrow Connector 64"/>
-          <p:cNvCxnSpPr>
-            <a:stCxn id="35" idx="2"/>
-          </p:cNvCxnSpPr>
-          <p:nvPr/>
-        </p:nvCxnSpPr>
-        <p:spPr>
-          <a:xfrm>
-            <a:off x="1802677" y="4244784"/>
-            <a:ext cx="0" cy="757963"/>
+            <a:off x="5684986" y="3922677"/>
+            <a:ext cx="0" cy="537594"/>
           </a:xfrm>
           <a:prstGeom prst="straightConnector1">
             <a:avLst/>
@@ -3564,14 +3383,310 @@
         <p:nvCxnSpPr>
           <p:cNvPr id="69" name="Straight Arrow Connector 68"/>
           <p:cNvCxnSpPr>
-            <a:endCxn id="64" idx="0"/>
+            <a:cxnSpLocks/>
+            <a:stCxn id="35" idx="2"/>
+            <a:endCxn id="63" idx="0"/>
           </p:cNvCxnSpPr>
           <p:nvPr/>
         </p:nvCxnSpPr>
         <p:spPr>
           <a:xfrm>
-            <a:off x="5401091" y="4244784"/>
-            <a:ext cx="0" cy="697273"/>
+            <a:off x="1755132" y="3922677"/>
+            <a:ext cx="0" cy="537593"/>
+          </a:xfrm>
+          <a:prstGeom prst="straightConnector1">
+            <a:avLst/>
+          </a:prstGeom>
+          <a:ln w="38100">
+            <a:tailEnd type="triangle"/>
+          </a:ln>
+        </p:spPr>
+        <p:style>
+          <a:lnRef idx="3">
+            <a:schemeClr val="dk1"/>
+          </a:lnRef>
+          <a:fillRef idx="0">
+            <a:schemeClr val="dk1"/>
+          </a:fillRef>
+          <a:effectRef idx="2">
+            <a:schemeClr val="dk1"/>
+          </a:effectRef>
+          <a:fontRef idx="minor">
+            <a:schemeClr val="tx1"/>
+          </a:fontRef>
+        </p:style>
+      </p:cxnSp>
+      <p:sp>
+        <p:nvSpPr>
+          <p:cNvPr id="19" name="Rounded Rectangle 11">
+            <a:extLst>
+              <a:ext uri="{FF2B5EF4-FFF2-40B4-BE49-F238E27FC236}">
+                <a16:creationId xmlns:a16="http://schemas.microsoft.com/office/drawing/2014/main" id="{5AA2C330-7389-49D7-BC7C-00C04B5A73CA}"/>
+              </a:ext>
+            </a:extLst>
+          </p:cNvPr>
+          <p:cNvSpPr/>
+          <p:nvPr/>
+        </p:nvSpPr>
+        <p:spPr>
+          <a:xfrm>
+            <a:off x="2971990" y="622201"/>
+            <a:ext cx="1560945" cy="877454"/>
+          </a:xfrm>
+          <a:prstGeom prst="roundRect">
+            <a:avLst/>
+          </a:prstGeom>
+        </p:spPr>
+        <p:style>
+          <a:lnRef idx="2">
+            <a:schemeClr val="accent6">
+              <a:shade val="50000"/>
+            </a:schemeClr>
+          </a:lnRef>
+          <a:fillRef idx="1">
+            <a:schemeClr val="accent6"/>
+          </a:fillRef>
+          <a:effectRef idx="0">
+            <a:schemeClr val="accent6"/>
+          </a:effectRef>
+          <a:fontRef idx="minor">
+            <a:schemeClr val="lt1"/>
+          </a:fontRef>
+        </p:style>
+        <p:txBody>
+          <a:bodyPr rtlCol="0" anchor="ctr"/>
+          <a:lstStyle/>
+          <a:p>
+            <a:pPr algn="ctr"/>
+            <a:r>
+              <a:rPr lang="en-US" dirty="0"/>
+              <a:t>Concurrent Forces</a:t>
+            </a:r>
+          </a:p>
+        </p:txBody>
+      </p:sp>
+      <p:sp>
+        <p:nvSpPr>
+          <p:cNvPr id="21" name="Multiply 76">
+            <a:extLst>
+              <a:ext uri="{FF2B5EF4-FFF2-40B4-BE49-F238E27FC236}">
+                <a16:creationId xmlns:a16="http://schemas.microsoft.com/office/drawing/2014/main" id="{7B993A29-595A-40C1-9DBE-EF5CA9EC8CF1}"/>
+              </a:ext>
+            </a:extLst>
+          </p:cNvPr>
+          <p:cNvSpPr/>
+          <p:nvPr/>
+        </p:nvSpPr>
+        <p:spPr>
+          <a:xfrm>
+            <a:off x="2745759" y="548874"/>
+            <a:ext cx="2007451" cy="1037814"/>
+          </a:xfrm>
+          <a:prstGeom prst="mathMultiply">
+            <a:avLst>
+              <a:gd name="adj1" fmla="val 11241"/>
+            </a:avLst>
+          </a:prstGeom>
+          <a:solidFill>
+            <a:srgbClr val="FF0000"/>
+          </a:solidFill>
+          <a:ln>
+            <a:solidFill>
+              <a:schemeClr val="tx1"/>
+            </a:solidFill>
+          </a:ln>
+        </p:spPr>
+        <p:style>
+          <a:lnRef idx="2">
+            <a:schemeClr val="accent1">
+              <a:shade val="50000"/>
+            </a:schemeClr>
+          </a:lnRef>
+          <a:fillRef idx="1">
+            <a:schemeClr val="accent1"/>
+          </a:fillRef>
+          <a:effectRef idx="0">
+            <a:schemeClr val="accent1"/>
+          </a:effectRef>
+          <a:fontRef idx="minor">
+            <a:schemeClr val="lt1"/>
+          </a:fontRef>
+        </p:style>
+        <p:txBody>
+          <a:bodyPr rtlCol="0" anchor="ctr"/>
+          <a:lstStyle/>
+          <a:p>
+            <a:pPr algn="ctr"/>
+            <a:endParaRPr lang="en-US" dirty="0"/>
+          </a:p>
+        </p:txBody>
+      </p:sp>
+      <p:sp>
+        <p:nvSpPr>
+          <p:cNvPr id="26" name="Rounded Rectangle 34">
+            <a:extLst>
+              <a:ext uri="{FF2B5EF4-FFF2-40B4-BE49-F238E27FC236}">
+                <a16:creationId xmlns:a16="http://schemas.microsoft.com/office/drawing/2014/main" id="{D068561F-E3A0-4B88-9671-7E42B038EF6E}"/>
+              </a:ext>
+            </a:extLst>
+          </p:cNvPr>
+          <p:cNvSpPr/>
+          <p:nvPr/>
+        </p:nvSpPr>
+        <p:spPr>
+          <a:xfrm>
+            <a:off x="4746399" y="2698076"/>
+            <a:ext cx="1877174" cy="1224601"/>
+          </a:xfrm>
+          <a:prstGeom prst="roundRect">
+            <a:avLst/>
+          </a:prstGeom>
+        </p:spPr>
+        <p:style>
+          <a:lnRef idx="2">
+            <a:schemeClr val="accent1">
+              <a:shade val="50000"/>
+            </a:schemeClr>
+          </a:lnRef>
+          <a:fillRef idx="1">
+            <a:schemeClr val="accent1"/>
+          </a:fillRef>
+          <a:effectRef idx="0">
+            <a:schemeClr val="accent1"/>
+          </a:effectRef>
+          <a:fontRef idx="minor">
+            <a:schemeClr val="lt1"/>
+          </a:fontRef>
+        </p:style>
+        <p:txBody>
+          <a:bodyPr rtlCol="0" anchor="ctr"/>
+          <a:lstStyle/>
+          <a:p>
+            <a:pPr algn="ctr"/>
+            <a:r>
+              <a:rPr lang="en-US" dirty="0"/>
+              <a:t>Moment of a Force about a Point (Vector Calculations)</a:t>
+            </a:r>
+          </a:p>
+        </p:txBody>
+      </p:sp>
+      <p:sp>
+        <p:nvSpPr>
+          <p:cNvPr id="36" name="Rounded Rectangle 3">
+            <a:extLst>
+              <a:ext uri="{FF2B5EF4-FFF2-40B4-BE49-F238E27FC236}">
+                <a16:creationId xmlns:a16="http://schemas.microsoft.com/office/drawing/2014/main" id="{177375A7-A80F-4123-AF22-4AF81CF9AF4D}"/>
+              </a:ext>
+            </a:extLst>
+          </p:cNvPr>
+          <p:cNvSpPr/>
+          <p:nvPr/>
+        </p:nvSpPr>
+        <p:spPr>
+          <a:xfrm>
+            <a:off x="7612167" y="2743054"/>
+            <a:ext cx="1560945" cy="877454"/>
+          </a:xfrm>
+          <a:prstGeom prst="roundRect">
+            <a:avLst/>
+          </a:prstGeom>
+        </p:spPr>
+        <p:style>
+          <a:lnRef idx="2">
+            <a:schemeClr val="accent1">
+              <a:shade val="50000"/>
+            </a:schemeClr>
+          </a:lnRef>
+          <a:fillRef idx="1">
+            <a:schemeClr val="accent1"/>
+          </a:fillRef>
+          <a:effectRef idx="0">
+            <a:schemeClr val="accent1"/>
+          </a:effectRef>
+          <a:fontRef idx="minor">
+            <a:schemeClr val="lt1"/>
+          </a:fontRef>
+        </p:style>
+        <p:txBody>
+          <a:bodyPr rtlCol="0" anchor="ctr"/>
+          <a:lstStyle/>
+          <a:p>
+            <a:pPr algn="ctr"/>
+            <a:r>
+              <a:rPr lang="en-US" dirty="0"/>
+              <a:t>Static Equilibrium</a:t>
+            </a:r>
+          </a:p>
+        </p:txBody>
+      </p:sp>
+      <p:sp>
+        <p:nvSpPr>
+          <p:cNvPr id="38" name="Rounded Rectangle 4">
+            <a:extLst>
+              <a:ext uri="{FF2B5EF4-FFF2-40B4-BE49-F238E27FC236}">
+                <a16:creationId xmlns:a16="http://schemas.microsoft.com/office/drawing/2014/main" id="{2117C936-F780-47CA-8C39-8D1D09630603}"/>
+              </a:ext>
+            </a:extLst>
+          </p:cNvPr>
+          <p:cNvSpPr/>
+          <p:nvPr/>
+        </p:nvSpPr>
+        <p:spPr>
+          <a:xfrm>
+            <a:off x="7622196" y="1499655"/>
+            <a:ext cx="1560945" cy="877454"/>
+          </a:xfrm>
+          <a:prstGeom prst="roundRect">
+            <a:avLst/>
+          </a:prstGeom>
+        </p:spPr>
+        <p:style>
+          <a:lnRef idx="2">
+            <a:schemeClr val="accent6">
+              <a:shade val="50000"/>
+            </a:schemeClr>
+          </a:lnRef>
+          <a:fillRef idx="1">
+            <a:schemeClr val="accent6"/>
+          </a:fillRef>
+          <a:effectRef idx="0">
+            <a:schemeClr val="accent6"/>
+          </a:effectRef>
+          <a:fontRef idx="minor">
+            <a:schemeClr val="lt1"/>
+          </a:fontRef>
+        </p:style>
+        <p:txBody>
+          <a:bodyPr rtlCol="0" anchor="ctr"/>
+          <a:lstStyle/>
+          <a:p>
+            <a:pPr algn="ctr"/>
+            <a:r>
+              <a:rPr lang="en-US" dirty="0"/>
+              <a:t>Newton’s Second Law</a:t>
+            </a:r>
+          </a:p>
+        </p:txBody>
+      </p:sp>
+      <p:cxnSp>
+        <p:nvCxnSpPr>
+          <p:cNvPr id="40" name="Straight Arrow Connector 39">
+            <a:extLst>
+              <a:ext uri="{FF2B5EF4-FFF2-40B4-BE49-F238E27FC236}">
+                <a16:creationId xmlns:a16="http://schemas.microsoft.com/office/drawing/2014/main" id="{BA17FB6B-36BF-49C0-8119-B83B7C5DBB18}"/>
+              </a:ext>
+            </a:extLst>
+          </p:cNvPr>
+          <p:cNvCxnSpPr>
+            <a:stCxn id="38" idx="2"/>
+            <a:endCxn id="36" idx="0"/>
+          </p:cNvCxnSpPr>
+          <p:nvPr/>
+        </p:nvCxnSpPr>
+        <p:spPr>
+          <a:xfrm flipH="1">
+            <a:off x="8392640" y="2377109"/>
+            <a:ext cx="10029" cy="365945"/>
           </a:xfrm>
           <a:prstGeom prst="straightConnector1">
             <a:avLst/>
@@ -3597,17 +3712,155 @@
       </p:cxnSp>
       <p:cxnSp>
         <p:nvCxnSpPr>
-          <p:cNvPr id="72" name="Straight Arrow Connector 71"/>
+          <p:cNvPr id="42" name="Connector: Elbow 41">
+            <a:extLst>
+              <a:ext uri="{FF2B5EF4-FFF2-40B4-BE49-F238E27FC236}">
+                <a16:creationId xmlns:a16="http://schemas.microsoft.com/office/drawing/2014/main" id="{649B60B9-C84C-40BC-A794-0791F73A28B6}"/>
+              </a:ext>
+            </a:extLst>
+          </p:cNvPr>
           <p:cNvCxnSpPr>
+            <a:cxnSpLocks/>
             <a:stCxn id="34" idx="3"/>
+            <a:endCxn id="38" idx="1"/>
+          </p:cNvCxnSpPr>
+          <p:nvPr/>
+        </p:nvCxnSpPr>
+        <p:spPr>
+          <a:xfrm flipV="1">
+            <a:off x="6855943" y="1938382"/>
+            <a:ext cx="766253" cy="1941766"/>
+          </a:xfrm>
+          <a:prstGeom prst="bentConnector3">
+            <a:avLst>
+              <a:gd name="adj1" fmla="val 50000"/>
+            </a:avLst>
+          </a:prstGeom>
+          <a:ln w="38100">
+            <a:tailEnd type="triangle"/>
+          </a:ln>
+        </p:spPr>
+        <p:style>
+          <a:lnRef idx="3">
+            <a:schemeClr val="dk1"/>
+          </a:lnRef>
+          <a:fillRef idx="0">
+            <a:schemeClr val="dk1"/>
+          </a:fillRef>
+          <a:effectRef idx="2">
+            <a:schemeClr val="dk1"/>
+          </a:effectRef>
+          <a:fontRef idx="minor">
+            <a:schemeClr val="tx1"/>
+          </a:fontRef>
+        </p:style>
+      </p:cxnSp>
+      <p:cxnSp>
+        <p:nvCxnSpPr>
+          <p:cNvPr id="43" name="Straight Arrow Connector 42">
+            <a:extLst>
+              <a:ext uri="{FF2B5EF4-FFF2-40B4-BE49-F238E27FC236}">
+                <a16:creationId xmlns:a16="http://schemas.microsoft.com/office/drawing/2014/main" id="{6C14BCF5-8E2B-42F4-8495-56799248892F}"/>
+              </a:ext>
+            </a:extLst>
+          </p:cNvPr>
+          <p:cNvCxnSpPr>
+            <a:cxnSpLocks/>
+            <a:stCxn id="36" idx="2"/>
             <a:endCxn id="32" idx="0"/>
           </p:cNvCxnSpPr>
           <p:nvPr/>
         </p:nvCxnSpPr>
         <p:spPr>
           <a:xfrm>
-            <a:off x="6855943" y="3664865"/>
-            <a:ext cx="2637954" cy="1205104"/>
+            <a:off x="8392640" y="3620508"/>
+            <a:ext cx="10028" cy="1051795"/>
+          </a:xfrm>
+          <a:prstGeom prst="straightConnector1">
+            <a:avLst/>
+          </a:prstGeom>
+          <a:ln w="38100">
+            <a:tailEnd type="triangle"/>
+          </a:ln>
+        </p:spPr>
+        <p:style>
+          <a:lnRef idx="3">
+            <a:schemeClr val="dk1"/>
+          </a:lnRef>
+          <a:fillRef idx="0">
+            <a:schemeClr val="dk1"/>
+          </a:fillRef>
+          <a:effectRef idx="2">
+            <a:schemeClr val="dk1"/>
+          </a:effectRef>
+          <a:fontRef idx="minor">
+            <a:schemeClr val="tx1"/>
+          </a:fontRef>
+        </p:style>
+      </p:cxnSp>
+      <p:cxnSp>
+        <p:nvCxnSpPr>
+          <p:cNvPr id="46" name="Connector: Elbow 45">
+            <a:extLst>
+              <a:ext uri="{FF2B5EF4-FFF2-40B4-BE49-F238E27FC236}">
+                <a16:creationId xmlns:a16="http://schemas.microsoft.com/office/drawing/2014/main" id="{6B80582F-2077-4DC8-8B23-C5167D56B004}"/>
+              </a:ext>
+            </a:extLst>
+          </p:cNvPr>
+          <p:cNvCxnSpPr>
+            <a:cxnSpLocks/>
+            <a:stCxn id="6" idx="2"/>
+          </p:cNvCxnSpPr>
+          <p:nvPr/>
+        </p:nvCxnSpPr>
+        <p:spPr>
+          <a:xfrm rot="5400000">
+            <a:off x="9326012" y="2966991"/>
+            <a:ext cx="457600" cy="2259265"/>
+          </a:xfrm>
+          <a:prstGeom prst="bentConnector2">
+            <a:avLst/>
+          </a:prstGeom>
+          <a:ln w="38100">
+            <a:headEnd type="none" w="med" len="med"/>
+            <a:tailEnd type="none" w="med" len="med"/>
+          </a:ln>
+        </p:spPr>
+        <p:style>
+          <a:lnRef idx="3">
+            <a:schemeClr val="dk1"/>
+          </a:lnRef>
+          <a:fillRef idx="0">
+            <a:schemeClr val="dk1"/>
+          </a:fillRef>
+          <a:effectRef idx="2">
+            <a:schemeClr val="dk1"/>
+          </a:effectRef>
+          <a:fontRef idx="minor">
+            <a:schemeClr val="tx1"/>
+          </a:fontRef>
+        </p:style>
+      </p:cxnSp>
+      <p:cxnSp>
+        <p:nvCxnSpPr>
+          <p:cNvPr id="51" name="Straight Arrow Connector 50">
+            <a:extLst>
+              <a:ext uri="{FF2B5EF4-FFF2-40B4-BE49-F238E27FC236}">
+                <a16:creationId xmlns:a16="http://schemas.microsoft.com/office/drawing/2014/main" id="{4DC29BF7-76F8-446C-B492-68680A29A340}"/>
+              </a:ext>
+            </a:extLst>
+          </p:cNvPr>
+          <p:cNvCxnSpPr>
+            <a:cxnSpLocks/>
+            <a:stCxn id="36" idx="3"/>
+            <a:endCxn id="6" idx="1"/>
+          </p:cNvCxnSpPr>
+          <p:nvPr/>
+        </p:nvCxnSpPr>
+        <p:spPr>
+          <a:xfrm>
+            <a:off x="9173112" y="3181781"/>
+            <a:ext cx="574326" cy="0"/>
           </a:xfrm>
           <a:prstGeom prst="straightConnector1">
             <a:avLst/>
@@ -3675,7 +3928,7 @@
                                           </p:stCondLst>
                                         </p:cTn>
                                         <p:tgtEl>
-                                          <p:spTgt spid="32"/>
+                                          <p:spTgt spid="19"/>
                                         </p:tgtEl>
                                         <p:attrNameLst>
                                           <p:attrName>style.visibility</p:attrName>
@@ -3689,7 +3942,7 @@
                                       <p:cBhvr>
                                         <p:cTn id="7" dur="500"/>
                                         <p:tgtEl>
-                                          <p:spTgt spid="32"/>
+                                          <p:spTgt spid="19"/>
                                         </p:tgtEl>
                                       </p:cBhvr>
                                     </p:animEffect>
@@ -3715,7 +3968,7 @@
                             </p:stCondLst>
                             <p:childTnLst>
                               <p:par>
-                                <p:cTn id="10" presetID="10" presetClass="entr" presetSubtype="0" fill="hold" nodeType="clickEffect">
+                                <p:cTn id="10" presetID="10" presetClass="entr" presetSubtype="0" fill="hold" grpId="0" nodeType="clickEffect">
                                   <p:stCondLst>
                                     <p:cond delay="0"/>
                                   </p:stCondLst>
@@ -3728,7 +3981,7 @@
                                           </p:stCondLst>
                                         </p:cTn>
                                         <p:tgtEl>
-                                          <p:spTgt spid="78"/>
+                                          <p:spTgt spid="21"/>
                                         </p:tgtEl>
                                         <p:attrNameLst>
                                           <p:attrName>style.visibility</p:attrName>
@@ -3742,42 +3995,7 @@
                                       <p:cBhvr>
                                         <p:cTn id="12" dur="500"/>
                                         <p:tgtEl>
-                                          <p:spTgt spid="78"/>
-                                        </p:tgtEl>
-                                      </p:cBhvr>
-                                    </p:animEffect>
-                                  </p:childTnLst>
-                                </p:cTn>
-                              </p:par>
-                              <p:par>
-                                <p:cTn id="13" presetID="10" presetClass="entr" presetSubtype="0" fill="hold" grpId="0" nodeType="withEffect">
-                                  <p:stCondLst>
-                                    <p:cond delay="0"/>
-                                  </p:stCondLst>
-                                  <p:childTnLst>
-                                    <p:set>
-                                      <p:cBhvr>
-                                        <p:cTn id="14" dur="1" fill="hold">
-                                          <p:stCondLst>
-                                            <p:cond delay="0"/>
-                                          </p:stCondLst>
-                                        </p:cTn>
-                                        <p:tgtEl>
-                                          <p:spTgt spid="6"/>
-                                        </p:tgtEl>
-                                        <p:attrNameLst>
-                                          <p:attrName>style.visibility</p:attrName>
-                                        </p:attrNameLst>
-                                      </p:cBhvr>
-                                      <p:to>
-                                        <p:strVal val="visible"/>
-                                      </p:to>
-                                    </p:set>
-                                    <p:animEffect transition="in" filter="fade">
-                                      <p:cBhvr>
-                                        <p:cTn id="15" dur="500"/>
-                                        <p:tgtEl>
-                                          <p:spTgt spid="6"/>
+                                          <p:spTgt spid="21"/>
                                         </p:tgtEl>
                                       </p:cBhvr>
                                     </p:animEffect>
@@ -3791,19 +4009,54 @@
                     </p:cTn>
                   </p:par>
                   <p:par>
-                    <p:cTn id="16" fill="hold">
+                    <p:cTn id="13" fill="hold">
                       <p:stCondLst>
                         <p:cond delay="indefinite"/>
                       </p:stCondLst>
                       <p:childTnLst>
                         <p:par>
-                          <p:cTn id="17" fill="hold">
+                          <p:cTn id="14" fill="hold">
                             <p:stCondLst>
                               <p:cond delay="0"/>
                             </p:stCondLst>
                             <p:childTnLst>
                               <p:par>
-                                <p:cTn id="18" presetID="10" presetClass="entr" presetSubtype="0" fill="hold" grpId="0" nodeType="clickEffect">
+                                <p:cTn id="15" presetID="10" presetClass="entr" presetSubtype="0" fill="hold" nodeType="clickEffect">
+                                  <p:stCondLst>
+                                    <p:cond delay="0"/>
+                                  </p:stCondLst>
+                                  <p:childTnLst>
+                                    <p:set>
+                                      <p:cBhvr>
+                                        <p:cTn id="16" dur="1" fill="hold">
+                                          <p:stCondLst>
+                                            <p:cond delay="0"/>
+                                          </p:stCondLst>
+                                        </p:cTn>
+                                        <p:tgtEl>
+                                          <p:spTgt spid="56"/>
+                                        </p:tgtEl>
+                                        <p:attrNameLst>
+                                          <p:attrName>style.visibility</p:attrName>
+                                        </p:attrNameLst>
+                                      </p:cBhvr>
+                                      <p:to>
+                                        <p:strVal val="visible"/>
+                                      </p:to>
+                                    </p:set>
+                                    <p:animEffect transition="in" filter="fade">
+                                      <p:cBhvr>
+                                        <p:cTn id="17" dur="500"/>
+                                        <p:tgtEl>
+                                          <p:spTgt spid="56"/>
+                                        </p:tgtEl>
+                                      </p:cBhvr>
+                                    </p:animEffect>
+                                  </p:childTnLst>
+                                </p:cTn>
+                              </p:par>
+                              <p:par>
+                                <p:cTn id="18" presetID="10" presetClass="entr" presetSubtype="0" fill="hold" grpId="0" nodeType="withEffect">
                                   <p:stCondLst>
                                     <p:cond delay="0"/>
                                   </p:stCondLst>
@@ -3816,7 +4069,7 @@
                                           </p:stCondLst>
                                         </p:cTn>
                                         <p:tgtEl>
-                                          <p:spTgt spid="4"/>
+                                          <p:spTgt spid="34"/>
                                         </p:tgtEl>
                                         <p:attrNameLst>
                                           <p:attrName>style.visibility</p:attrName>
@@ -3830,7 +4083,7 @@
                                       <p:cBhvr>
                                         <p:cTn id="20" dur="500"/>
                                         <p:tgtEl>
-                                          <p:spTgt spid="4"/>
+                                          <p:spTgt spid="34"/>
                                         </p:tgtEl>
                                       </p:cBhvr>
                                     </p:animEffect>
@@ -3869,7 +4122,7 @@
                                           </p:stCondLst>
                                         </p:cTn>
                                         <p:tgtEl>
-                                          <p:spTgt spid="34"/>
+                                          <p:spTgt spid="35"/>
                                         </p:tgtEl>
                                         <p:attrNameLst>
                                           <p:attrName>style.visibility</p:attrName>
@@ -3882,129 +4135,6 @@
                                     <p:animEffect transition="in" filter="fade">
                                       <p:cBhvr>
                                         <p:cTn id="25" dur="500"/>
-                                        <p:tgtEl>
-                                          <p:spTgt spid="34"/>
-                                        </p:tgtEl>
-                                      </p:cBhvr>
-                                    </p:animEffect>
-                                  </p:childTnLst>
-                                </p:cTn>
-                              </p:par>
-                              <p:par>
-                                <p:cTn id="26" presetID="10" presetClass="entr" presetSubtype="0" fill="hold" nodeType="withEffect">
-                                  <p:stCondLst>
-                                    <p:cond delay="0"/>
-                                  </p:stCondLst>
-                                  <p:childTnLst>
-                                    <p:set>
-                                      <p:cBhvr>
-                                        <p:cTn id="27" dur="1" fill="hold">
-                                          <p:stCondLst>
-                                            <p:cond delay="0"/>
-                                          </p:stCondLst>
-                                        </p:cTn>
-                                        <p:tgtEl>
-                                          <p:spTgt spid="72"/>
-                                        </p:tgtEl>
-                                        <p:attrNameLst>
-                                          <p:attrName>style.visibility</p:attrName>
-                                        </p:attrNameLst>
-                                      </p:cBhvr>
-                                      <p:to>
-                                        <p:strVal val="visible"/>
-                                      </p:to>
-                                    </p:set>
-                                    <p:animEffect transition="in" filter="fade">
-                                      <p:cBhvr>
-                                        <p:cTn id="28" dur="500"/>
-                                        <p:tgtEl>
-                                          <p:spTgt spid="72"/>
-                                        </p:tgtEl>
-                                      </p:cBhvr>
-                                    </p:animEffect>
-                                  </p:childTnLst>
-                                </p:cTn>
-                              </p:par>
-                            </p:childTnLst>
-                          </p:cTn>
-                        </p:par>
-                      </p:childTnLst>
-                    </p:cTn>
-                  </p:par>
-                  <p:par>
-                    <p:cTn id="29" fill="hold">
-                      <p:stCondLst>
-                        <p:cond delay="indefinite"/>
-                      </p:stCondLst>
-                      <p:childTnLst>
-                        <p:par>
-                          <p:cTn id="30" fill="hold">
-                            <p:stCondLst>
-                              <p:cond delay="0"/>
-                            </p:stCondLst>
-                            <p:childTnLst>
-                              <p:par>
-                                <p:cTn id="31" presetID="10" presetClass="entr" presetSubtype="0" fill="hold" nodeType="clickEffect">
-                                  <p:stCondLst>
-                                    <p:cond delay="0"/>
-                                  </p:stCondLst>
-                                  <p:childTnLst>
-                                    <p:set>
-                                      <p:cBhvr>
-                                        <p:cTn id="32" dur="1" fill="hold">
-                                          <p:stCondLst>
-                                            <p:cond delay="0"/>
-                                          </p:stCondLst>
-                                        </p:cTn>
-                                        <p:tgtEl>
-                                          <p:spTgt spid="39"/>
-                                        </p:tgtEl>
-                                        <p:attrNameLst>
-                                          <p:attrName>style.visibility</p:attrName>
-                                        </p:attrNameLst>
-                                      </p:cBhvr>
-                                      <p:to>
-                                        <p:strVal val="visible"/>
-                                      </p:to>
-                                    </p:set>
-                                    <p:animEffect transition="in" filter="fade">
-                                      <p:cBhvr>
-                                        <p:cTn id="33" dur="500"/>
-                                        <p:tgtEl>
-                                          <p:spTgt spid="39"/>
-                                        </p:tgtEl>
-                                      </p:cBhvr>
-                                    </p:animEffect>
-                                  </p:childTnLst>
-                                </p:cTn>
-                              </p:par>
-                              <p:par>
-                                <p:cTn id="34" presetID="10" presetClass="entr" presetSubtype="0" fill="hold" grpId="0" nodeType="withEffect">
-                                  <p:stCondLst>
-                                    <p:cond delay="0"/>
-                                  </p:stCondLst>
-                                  <p:childTnLst>
-                                    <p:set>
-                                      <p:cBhvr>
-                                        <p:cTn id="35" dur="1" fill="hold">
-                                          <p:stCondLst>
-                                            <p:cond delay="0"/>
-                                          </p:stCondLst>
-                                        </p:cTn>
-                                        <p:tgtEl>
-                                          <p:spTgt spid="35"/>
-                                        </p:tgtEl>
-                                        <p:attrNameLst>
-                                          <p:attrName>style.visibility</p:attrName>
-                                        </p:attrNameLst>
-                                      </p:cBhvr>
-                                      <p:to>
-                                        <p:strVal val="visible"/>
-                                      </p:to>
-                                    </p:set>
-                                    <p:animEffect transition="in" filter="fade">
-                                      <p:cBhvr>
-                                        <p:cTn id="36" dur="500"/>
                                         <p:tgtEl>
                                           <p:spTgt spid="35"/>
                                         </p:tgtEl>
@@ -4020,32 +4150,32 @@
                     </p:cTn>
                   </p:par>
                   <p:par>
-                    <p:cTn id="37" fill="hold">
+                    <p:cTn id="26" fill="hold">
                       <p:stCondLst>
                         <p:cond delay="indefinite"/>
                       </p:stCondLst>
                       <p:childTnLst>
                         <p:par>
-                          <p:cTn id="38" fill="hold">
+                          <p:cTn id="27" fill="hold">
                             <p:stCondLst>
                               <p:cond delay="0"/>
                             </p:stCondLst>
                             <p:childTnLst>
                               <p:par>
-                                <p:cTn id="39" presetID="10" presetClass="entr" presetSubtype="0" fill="hold" nodeType="clickEffect">
+                                <p:cTn id="28" presetID="10" presetClass="entr" presetSubtype="0" fill="hold" nodeType="clickEffect">
                                   <p:stCondLst>
                                     <p:cond delay="0"/>
                                   </p:stCondLst>
                                   <p:childTnLst>
                                     <p:set>
                                       <p:cBhvr>
-                                        <p:cTn id="40" dur="1" fill="hold">
+                                        <p:cTn id="29" dur="1" fill="hold">
                                           <p:stCondLst>
                                             <p:cond delay="0"/>
                                           </p:stCondLst>
                                         </p:cTn>
                                         <p:tgtEl>
-                                          <p:spTgt spid="41"/>
+                                          <p:spTgt spid="69"/>
                                         </p:tgtEl>
                                         <p:attrNameLst>
                                           <p:attrName>style.visibility</p:attrName>
@@ -4057,9 +4187,9 @@
                                     </p:set>
                                     <p:animEffect transition="in" filter="fade">
                                       <p:cBhvr>
-                                        <p:cTn id="41" dur="500"/>
+                                        <p:cTn id="30" dur="500"/>
                                         <p:tgtEl>
-                                          <p:spTgt spid="41"/>
+                                          <p:spTgt spid="69"/>
                                         </p:tgtEl>
                                       </p:cBhvr>
                                     </p:animEffect>
@@ -4067,20 +4197,20 @@
                                 </p:cTn>
                               </p:par>
                               <p:par>
-                                <p:cTn id="42" presetID="10" presetClass="entr" presetSubtype="0" fill="hold" grpId="0" nodeType="withEffect">
+                                <p:cTn id="31" presetID="10" presetClass="entr" presetSubtype="0" fill="hold" grpId="0" nodeType="withEffect">
                                   <p:stCondLst>
                                     <p:cond delay="0"/>
                                   </p:stCondLst>
                                   <p:childTnLst>
                                     <p:set>
                                       <p:cBhvr>
-                                        <p:cTn id="43" dur="1" fill="hold">
+                                        <p:cTn id="32" dur="1" fill="hold">
                                           <p:stCondLst>
                                             <p:cond delay="0"/>
                                           </p:stCondLst>
                                         </p:cTn>
                                         <p:tgtEl>
-                                          <p:spTgt spid="37"/>
+                                          <p:spTgt spid="63"/>
                                         </p:tgtEl>
                                         <p:attrNameLst>
                                           <p:attrName>style.visibility</p:attrName>
@@ -4092,9 +4222,9 @@
                                     </p:set>
                                     <p:animEffect transition="in" filter="fade">
                                       <p:cBhvr>
-                                        <p:cTn id="44" dur="500"/>
+                                        <p:cTn id="33" dur="500"/>
                                         <p:tgtEl>
-                                          <p:spTgt spid="37"/>
+                                          <p:spTgt spid="63"/>
                                         </p:tgtEl>
                                       </p:cBhvr>
                                     </p:animEffect>
@@ -4108,26 +4238,132 @@
                     </p:cTn>
                   </p:par>
                   <p:par>
-                    <p:cTn id="45" fill="hold">
+                    <p:cTn id="34" fill="hold">
                       <p:stCondLst>
                         <p:cond delay="indefinite"/>
                       </p:stCondLst>
                       <p:childTnLst>
                         <p:par>
-                          <p:cTn id="46" fill="hold">
+                          <p:cTn id="35" fill="hold">
                             <p:stCondLst>
                               <p:cond delay="0"/>
                             </p:stCondLst>
                             <p:childTnLst>
                               <p:par>
-                                <p:cTn id="47" presetID="10" presetClass="entr" presetSubtype="0" fill="hold" nodeType="clickEffect">
+                                <p:cTn id="36" presetID="10" presetClass="entr" presetSubtype="0" fill="hold" grpId="0" nodeType="clickEffect">
                                   <p:stCondLst>
                                     <p:cond delay="0"/>
                                   </p:stCondLst>
                                   <p:childTnLst>
                                     <p:set>
                                       <p:cBhvr>
-                                        <p:cTn id="48" dur="1" fill="hold">
+                                        <p:cTn id="37" dur="1" fill="hold">
+                                          <p:stCondLst>
+                                            <p:cond delay="0"/>
+                                          </p:stCondLst>
+                                        </p:cTn>
+                                        <p:tgtEl>
+                                          <p:spTgt spid="52"/>
+                                        </p:tgtEl>
+                                        <p:attrNameLst>
+                                          <p:attrName>style.visibility</p:attrName>
+                                        </p:attrNameLst>
+                                      </p:cBhvr>
+                                      <p:to>
+                                        <p:strVal val="visible"/>
+                                      </p:to>
+                                    </p:set>
+                                    <p:animEffect transition="in" filter="fade">
+                                      <p:cBhvr>
+                                        <p:cTn id="38" dur="500"/>
+                                        <p:tgtEl>
+                                          <p:spTgt spid="52"/>
+                                        </p:tgtEl>
+                                      </p:cBhvr>
+                                    </p:animEffect>
+                                  </p:childTnLst>
+                                </p:cTn>
+                              </p:par>
+                            </p:childTnLst>
+                          </p:cTn>
+                        </p:par>
+                      </p:childTnLst>
+                    </p:cTn>
+                  </p:par>
+                  <p:par>
+                    <p:cTn id="39" fill="hold">
+                      <p:stCondLst>
+                        <p:cond delay="indefinite"/>
+                      </p:stCondLst>
+                      <p:childTnLst>
+                        <p:par>
+                          <p:cTn id="40" fill="hold">
+                            <p:stCondLst>
+                              <p:cond delay="0"/>
+                            </p:stCondLst>
+                            <p:childTnLst>
+                              <p:par>
+                                <p:cTn id="41" presetID="10" presetClass="entr" presetSubtype="0" fill="hold" grpId="0" nodeType="clickEffect">
+                                  <p:stCondLst>
+                                    <p:cond delay="0"/>
+                                  </p:stCondLst>
+                                  <p:childTnLst>
+                                    <p:set>
+                                      <p:cBhvr>
+                                        <p:cTn id="42" dur="1" fill="hold">
+                                          <p:stCondLst>
+                                            <p:cond delay="0"/>
+                                          </p:stCondLst>
+                                        </p:cTn>
+                                        <p:tgtEl>
+                                          <p:spTgt spid="26"/>
+                                        </p:tgtEl>
+                                        <p:attrNameLst>
+                                          <p:attrName>style.visibility</p:attrName>
+                                        </p:attrNameLst>
+                                      </p:cBhvr>
+                                      <p:to>
+                                        <p:strVal val="visible"/>
+                                      </p:to>
+                                    </p:set>
+                                    <p:animEffect transition="in" filter="fade">
+                                      <p:cBhvr>
+                                        <p:cTn id="43" dur="500"/>
+                                        <p:tgtEl>
+                                          <p:spTgt spid="26"/>
+                                        </p:tgtEl>
+                                      </p:cBhvr>
+                                    </p:animEffect>
+                                  </p:childTnLst>
+                                </p:cTn>
+                              </p:par>
+                            </p:childTnLst>
+                          </p:cTn>
+                        </p:par>
+                      </p:childTnLst>
+                    </p:cTn>
+                  </p:par>
+                  <p:par>
+                    <p:cTn id="44" fill="hold">
+                      <p:stCondLst>
+                        <p:cond delay="indefinite"/>
+                      </p:stCondLst>
+                      <p:childTnLst>
+                        <p:par>
+                          <p:cTn id="45" fill="hold">
+                            <p:stCondLst>
+                              <p:cond delay="0"/>
+                            </p:stCondLst>
+                            <p:childTnLst>
+                              <p:par>
+                                <p:cTn id="46" presetID="10" presetClass="entr" presetSubtype="0" fill="hold" nodeType="clickEffect">
+                                  <p:stCondLst>
+                                    <p:cond delay="0"/>
+                                  </p:stCondLst>
+                                  <p:childTnLst>
+                                    <p:set>
+                                      <p:cBhvr>
+                                        <p:cTn id="47" dur="1" fill="hold">
                                           <p:stCondLst>
                                             <p:cond delay="0"/>
                                           </p:stCondLst>
@@ -4145,7 +4381,7 @@
                                     </p:set>
                                     <p:animEffect transition="in" filter="fade">
                                       <p:cBhvr>
-                                        <p:cTn id="49" dur="500"/>
+                                        <p:cTn id="48" dur="500"/>
                                         <p:tgtEl>
                                           <p:spTgt spid="65"/>
                                         </p:tgtEl>
@@ -4155,67 +4391,14 @@
                                 </p:cTn>
                               </p:par>
                               <p:par>
-                                <p:cTn id="50" presetID="10" presetClass="entr" presetSubtype="0" fill="hold" grpId="0" nodeType="withEffect">
+                                <p:cTn id="49" presetID="10" presetClass="entr" presetSubtype="0" fill="hold" grpId="0" nodeType="withEffect">
                                   <p:stCondLst>
                                     <p:cond delay="0"/>
                                   </p:stCondLst>
                                   <p:childTnLst>
                                     <p:set>
                                       <p:cBhvr>
-                                        <p:cTn id="51" dur="1" fill="hold">
-                                          <p:stCondLst>
-                                            <p:cond delay="0"/>
-                                          </p:stCondLst>
-                                        </p:cTn>
-                                        <p:tgtEl>
-                                          <p:spTgt spid="63"/>
-                                        </p:tgtEl>
-                                        <p:attrNameLst>
-                                          <p:attrName>style.visibility</p:attrName>
-                                        </p:attrNameLst>
-                                      </p:cBhvr>
-                                      <p:to>
-                                        <p:strVal val="visible"/>
-                                      </p:to>
-                                    </p:set>
-                                    <p:animEffect transition="in" filter="fade">
-                                      <p:cBhvr>
-                                        <p:cTn id="52" dur="500"/>
-                                        <p:tgtEl>
-                                          <p:spTgt spid="63"/>
-                                        </p:tgtEl>
-                                      </p:cBhvr>
-                                    </p:animEffect>
-                                  </p:childTnLst>
-                                </p:cTn>
-                              </p:par>
-                            </p:childTnLst>
-                          </p:cTn>
-                        </p:par>
-                      </p:childTnLst>
-                    </p:cTn>
-                  </p:par>
-                  <p:par>
-                    <p:cTn id="53" fill="hold">
-                      <p:stCondLst>
-                        <p:cond delay="indefinite"/>
-                      </p:stCondLst>
-                      <p:childTnLst>
-                        <p:par>
-                          <p:cTn id="54" fill="hold">
-                            <p:stCondLst>
-                              <p:cond delay="0"/>
-                            </p:stCondLst>
-                            <p:childTnLst>
-                              <p:par>
-                                <p:cTn id="55" presetID="10" presetClass="entr" presetSubtype="0" fill="hold" grpId="0" nodeType="clickEffect">
-                                  <p:stCondLst>
-                                    <p:cond delay="0"/>
-                                  </p:stCondLst>
-                                  <p:childTnLst>
-                                    <p:set>
-                                      <p:cBhvr>
-                                        <p:cTn id="56" dur="1" fill="hold">
+                                        <p:cTn id="50" dur="1" fill="hold">
                                           <p:stCondLst>
                                             <p:cond delay="0"/>
                                           </p:stCondLst>
@@ -4233,44 +4416,9 @@
                                     </p:set>
                                     <p:animEffect transition="in" filter="fade">
                                       <p:cBhvr>
-                                        <p:cTn id="57" dur="500"/>
+                                        <p:cTn id="51" dur="500"/>
                                         <p:tgtEl>
                                           <p:spTgt spid="64"/>
-                                        </p:tgtEl>
-                                      </p:cBhvr>
-                                    </p:animEffect>
-                                  </p:childTnLst>
-                                </p:cTn>
-                              </p:par>
-                              <p:par>
-                                <p:cTn id="58" presetID="10" presetClass="entr" presetSubtype="0" fill="hold" nodeType="withEffect">
-                                  <p:stCondLst>
-                                    <p:cond delay="0"/>
-                                  </p:stCondLst>
-                                  <p:childTnLst>
-                                    <p:set>
-                                      <p:cBhvr>
-                                        <p:cTn id="59" dur="1" fill="hold">
-                                          <p:stCondLst>
-                                            <p:cond delay="0"/>
-                                          </p:stCondLst>
-                                        </p:cTn>
-                                        <p:tgtEl>
-                                          <p:spTgt spid="69"/>
-                                        </p:tgtEl>
-                                        <p:attrNameLst>
-                                          <p:attrName>style.visibility</p:attrName>
-                                        </p:attrNameLst>
-                                      </p:cBhvr>
-                                      <p:to>
-                                        <p:strVal val="visible"/>
-                                      </p:to>
-                                    </p:set>
-                                    <p:animEffect transition="in" filter="fade">
-                                      <p:cBhvr>
-                                        <p:cTn id="60" dur="500"/>
-                                        <p:tgtEl>
-                                          <p:spTgt spid="69"/>
                                         </p:tgtEl>
                                       </p:cBhvr>
                                     </p:animEffect>
@@ -4284,32 +4432,32 @@
                     </p:cTn>
                   </p:par>
                   <p:par>
-                    <p:cTn id="61" fill="hold">
+                    <p:cTn id="52" fill="hold">
                       <p:stCondLst>
                         <p:cond delay="indefinite"/>
                       </p:stCondLst>
                       <p:childTnLst>
                         <p:par>
-                          <p:cTn id="62" fill="hold">
+                          <p:cTn id="53" fill="hold">
                             <p:stCondLst>
                               <p:cond delay="0"/>
                             </p:stCondLst>
                             <p:childTnLst>
                               <p:par>
-                                <p:cTn id="63" presetID="10" presetClass="entr" presetSubtype="0" fill="hold" grpId="0" nodeType="clickEffect">
+                                <p:cTn id="54" presetID="10" presetClass="entr" presetSubtype="0" fill="hold" nodeType="clickEffect">
                                   <p:stCondLst>
                                     <p:cond delay="0"/>
                                   </p:stCondLst>
                                   <p:childTnLst>
                                     <p:set>
                                       <p:cBhvr>
-                                        <p:cTn id="64" dur="1" fill="hold">
+                                        <p:cTn id="55" dur="1" fill="hold">
                                           <p:stCondLst>
                                             <p:cond delay="0"/>
                                           </p:stCondLst>
                                         </p:cTn>
                                         <p:tgtEl>
-                                          <p:spTgt spid="52"/>
+                                          <p:spTgt spid="42"/>
                                         </p:tgtEl>
                                         <p:attrNameLst>
                                           <p:attrName>style.visibility</p:attrName>
@@ -4321,9 +4469,9 @@
                                     </p:set>
                                     <p:animEffect transition="in" filter="fade">
                                       <p:cBhvr>
-                                        <p:cTn id="65" dur="500"/>
+                                        <p:cTn id="56" dur="500"/>
                                         <p:tgtEl>
-                                          <p:spTgt spid="52"/>
+                                          <p:spTgt spid="42"/>
                                         </p:tgtEl>
                                       </p:cBhvr>
                                     </p:animEffect>
@@ -4331,20 +4479,20 @@
                                 </p:cTn>
                               </p:par>
                               <p:par>
-                                <p:cTn id="66" presetID="10" presetClass="entr" presetSubtype="0" fill="hold" nodeType="withEffect">
+                                <p:cTn id="57" presetID="10" presetClass="entr" presetSubtype="0" fill="hold" grpId="0" nodeType="withEffect">
                                   <p:stCondLst>
                                     <p:cond delay="0"/>
                                   </p:stCondLst>
                                   <p:childTnLst>
                                     <p:set>
                                       <p:cBhvr>
-                                        <p:cTn id="67" dur="1" fill="hold">
+                                        <p:cTn id="58" dur="1" fill="hold">
                                           <p:stCondLst>
                                             <p:cond delay="0"/>
                                           </p:stCondLst>
                                         </p:cTn>
                                         <p:tgtEl>
-                                          <p:spTgt spid="56"/>
+                                          <p:spTgt spid="38"/>
                                         </p:tgtEl>
                                         <p:attrNameLst>
                                           <p:attrName>style.visibility</p:attrName>
@@ -4356,9 +4504,308 @@
                                     </p:set>
                                     <p:animEffect transition="in" filter="fade">
                                       <p:cBhvr>
-                                        <p:cTn id="68" dur="500"/>
+                                        <p:cTn id="59" dur="500"/>
                                         <p:tgtEl>
-                                          <p:spTgt spid="56"/>
+                                          <p:spTgt spid="38"/>
+                                        </p:tgtEl>
+                                      </p:cBhvr>
+                                    </p:animEffect>
+                                  </p:childTnLst>
+                                </p:cTn>
+                              </p:par>
+                            </p:childTnLst>
+                          </p:cTn>
+                        </p:par>
+                      </p:childTnLst>
+                    </p:cTn>
+                  </p:par>
+                  <p:par>
+                    <p:cTn id="60" fill="hold">
+                      <p:stCondLst>
+                        <p:cond delay="indefinite"/>
+                      </p:stCondLst>
+                      <p:childTnLst>
+                        <p:par>
+                          <p:cTn id="61" fill="hold">
+                            <p:stCondLst>
+                              <p:cond delay="0"/>
+                            </p:stCondLst>
+                            <p:childTnLst>
+                              <p:par>
+                                <p:cTn id="62" presetID="10" presetClass="entr" presetSubtype="0" fill="hold" nodeType="clickEffect">
+                                  <p:stCondLst>
+                                    <p:cond delay="0"/>
+                                  </p:stCondLst>
+                                  <p:childTnLst>
+                                    <p:set>
+                                      <p:cBhvr>
+                                        <p:cTn id="63" dur="1" fill="hold">
+                                          <p:stCondLst>
+                                            <p:cond delay="0"/>
+                                          </p:stCondLst>
+                                        </p:cTn>
+                                        <p:tgtEl>
+                                          <p:spTgt spid="40"/>
+                                        </p:tgtEl>
+                                        <p:attrNameLst>
+                                          <p:attrName>style.visibility</p:attrName>
+                                        </p:attrNameLst>
+                                      </p:cBhvr>
+                                      <p:to>
+                                        <p:strVal val="visible"/>
+                                      </p:to>
+                                    </p:set>
+                                    <p:animEffect transition="in" filter="fade">
+                                      <p:cBhvr>
+                                        <p:cTn id="64" dur="500"/>
+                                        <p:tgtEl>
+                                          <p:spTgt spid="40"/>
+                                        </p:tgtEl>
+                                      </p:cBhvr>
+                                    </p:animEffect>
+                                  </p:childTnLst>
+                                </p:cTn>
+                              </p:par>
+                              <p:par>
+                                <p:cTn id="65" presetID="10" presetClass="entr" presetSubtype="0" fill="hold" grpId="0" nodeType="withEffect">
+                                  <p:stCondLst>
+                                    <p:cond delay="0"/>
+                                  </p:stCondLst>
+                                  <p:childTnLst>
+                                    <p:set>
+                                      <p:cBhvr>
+                                        <p:cTn id="66" dur="1" fill="hold">
+                                          <p:stCondLst>
+                                            <p:cond delay="0"/>
+                                          </p:stCondLst>
+                                        </p:cTn>
+                                        <p:tgtEl>
+                                          <p:spTgt spid="36"/>
+                                        </p:tgtEl>
+                                        <p:attrNameLst>
+                                          <p:attrName>style.visibility</p:attrName>
+                                        </p:attrNameLst>
+                                      </p:cBhvr>
+                                      <p:to>
+                                        <p:strVal val="visible"/>
+                                      </p:to>
+                                    </p:set>
+                                    <p:animEffect transition="in" filter="fade">
+                                      <p:cBhvr>
+                                        <p:cTn id="67" dur="500"/>
+                                        <p:tgtEl>
+                                          <p:spTgt spid="36"/>
+                                        </p:tgtEl>
+                                      </p:cBhvr>
+                                    </p:animEffect>
+                                  </p:childTnLst>
+                                </p:cTn>
+                              </p:par>
+                            </p:childTnLst>
+                          </p:cTn>
+                        </p:par>
+                      </p:childTnLst>
+                    </p:cTn>
+                  </p:par>
+                  <p:par>
+                    <p:cTn id="68" fill="hold">
+                      <p:stCondLst>
+                        <p:cond delay="indefinite"/>
+                      </p:stCondLst>
+                      <p:childTnLst>
+                        <p:par>
+                          <p:cTn id="69" fill="hold">
+                            <p:stCondLst>
+                              <p:cond delay="0"/>
+                            </p:stCondLst>
+                            <p:childTnLst>
+                              <p:par>
+                                <p:cTn id="70" presetID="10" presetClass="entr" presetSubtype="0" fill="hold" nodeType="clickEffect">
+                                  <p:stCondLst>
+                                    <p:cond delay="0"/>
+                                  </p:stCondLst>
+                                  <p:childTnLst>
+                                    <p:set>
+                                      <p:cBhvr>
+                                        <p:cTn id="71" dur="1" fill="hold">
+                                          <p:stCondLst>
+                                            <p:cond delay="0"/>
+                                          </p:stCondLst>
+                                        </p:cTn>
+                                        <p:tgtEl>
+                                          <p:spTgt spid="51"/>
+                                        </p:tgtEl>
+                                        <p:attrNameLst>
+                                          <p:attrName>style.visibility</p:attrName>
+                                        </p:attrNameLst>
+                                      </p:cBhvr>
+                                      <p:to>
+                                        <p:strVal val="visible"/>
+                                      </p:to>
+                                    </p:set>
+                                    <p:animEffect transition="in" filter="fade">
+                                      <p:cBhvr>
+                                        <p:cTn id="72" dur="500"/>
+                                        <p:tgtEl>
+                                          <p:spTgt spid="51"/>
+                                        </p:tgtEl>
+                                      </p:cBhvr>
+                                    </p:animEffect>
+                                  </p:childTnLst>
+                                </p:cTn>
+                              </p:par>
+                              <p:par>
+                                <p:cTn id="73" presetID="10" presetClass="entr" presetSubtype="0" fill="hold" grpId="0" nodeType="withEffect">
+                                  <p:stCondLst>
+                                    <p:cond delay="0"/>
+                                  </p:stCondLst>
+                                  <p:childTnLst>
+                                    <p:set>
+                                      <p:cBhvr>
+                                        <p:cTn id="74" dur="1" fill="hold">
+                                          <p:stCondLst>
+                                            <p:cond delay="0"/>
+                                          </p:stCondLst>
+                                        </p:cTn>
+                                        <p:tgtEl>
+                                          <p:spTgt spid="6"/>
+                                        </p:tgtEl>
+                                        <p:attrNameLst>
+                                          <p:attrName>style.visibility</p:attrName>
+                                        </p:attrNameLst>
+                                      </p:cBhvr>
+                                      <p:to>
+                                        <p:strVal val="visible"/>
+                                      </p:to>
+                                    </p:set>
+                                    <p:animEffect transition="in" filter="fade">
+                                      <p:cBhvr>
+                                        <p:cTn id="75" dur="500"/>
+                                        <p:tgtEl>
+                                          <p:spTgt spid="6"/>
+                                        </p:tgtEl>
+                                      </p:cBhvr>
+                                    </p:animEffect>
+                                  </p:childTnLst>
+                                </p:cTn>
+                              </p:par>
+                            </p:childTnLst>
+                          </p:cTn>
+                        </p:par>
+                      </p:childTnLst>
+                    </p:cTn>
+                  </p:par>
+                  <p:par>
+                    <p:cTn id="76" fill="hold">
+                      <p:stCondLst>
+                        <p:cond delay="indefinite"/>
+                      </p:stCondLst>
+                      <p:childTnLst>
+                        <p:par>
+                          <p:cTn id="77" fill="hold">
+                            <p:stCondLst>
+                              <p:cond delay="0"/>
+                            </p:stCondLst>
+                            <p:childTnLst>
+                              <p:par>
+                                <p:cTn id="78" presetID="10" presetClass="entr" presetSubtype="0" fill="hold" nodeType="clickEffect">
+                                  <p:stCondLst>
+                                    <p:cond delay="0"/>
+                                  </p:stCondLst>
+                                  <p:childTnLst>
+                                    <p:set>
+                                      <p:cBhvr>
+                                        <p:cTn id="79" dur="1" fill="hold">
+                                          <p:stCondLst>
+                                            <p:cond delay="0"/>
+                                          </p:stCondLst>
+                                        </p:cTn>
+                                        <p:tgtEl>
+                                          <p:spTgt spid="43"/>
+                                        </p:tgtEl>
+                                        <p:attrNameLst>
+                                          <p:attrName>style.visibility</p:attrName>
+                                        </p:attrNameLst>
+                                      </p:cBhvr>
+                                      <p:to>
+                                        <p:strVal val="visible"/>
+                                      </p:to>
+                                    </p:set>
+                                    <p:animEffect transition="in" filter="fade">
+                                      <p:cBhvr>
+                                        <p:cTn id="80" dur="500"/>
+                                        <p:tgtEl>
+                                          <p:spTgt spid="43"/>
+                                        </p:tgtEl>
+                                      </p:cBhvr>
+                                    </p:animEffect>
+                                  </p:childTnLst>
+                                </p:cTn>
+                              </p:par>
+                              <p:par>
+                                <p:cTn id="81" presetID="10" presetClass="entr" presetSubtype="0" fill="hold" nodeType="withEffect">
+                                  <p:stCondLst>
+                                    <p:cond delay="0"/>
+                                  </p:stCondLst>
+                                  <p:childTnLst>
+                                    <p:set>
+                                      <p:cBhvr>
+                                        <p:cTn id="82" dur="1" fill="hold">
+                                          <p:stCondLst>
+                                            <p:cond delay="0"/>
+                                          </p:stCondLst>
+                                        </p:cTn>
+                                        <p:tgtEl>
+                                          <p:spTgt spid="46"/>
+                                        </p:tgtEl>
+                                        <p:attrNameLst>
+                                          <p:attrName>style.visibility</p:attrName>
+                                        </p:attrNameLst>
+                                      </p:cBhvr>
+                                      <p:to>
+                                        <p:strVal val="visible"/>
+                                      </p:to>
+                                    </p:set>
+                                    <p:animEffect transition="in" filter="fade">
+                                      <p:cBhvr>
+                                        <p:cTn id="83" dur="500"/>
+                                        <p:tgtEl>
+                                          <p:spTgt spid="46"/>
+                                        </p:tgtEl>
+                                      </p:cBhvr>
+                                    </p:animEffect>
+                                  </p:childTnLst>
+                                </p:cTn>
+                              </p:par>
+                              <p:par>
+                                <p:cTn id="84" presetID="10" presetClass="entr" presetSubtype="0" fill="hold" grpId="0" nodeType="withEffect">
+                                  <p:stCondLst>
+                                    <p:cond delay="0"/>
+                                  </p:stCondLst>
+                                  <p:childTnLst>
+                                    <p:set>
+                                      <p:cBhvr>
+                                        <p:cTn id="85" dur="1" fill="hold">
+                                          <p:stCondLst>
+                                            <p:cond delay="0"/>
+                                          </p:stCondLst>
+                                        </p:cTn>
+                                        <p:tgtEl>
+                                          <p:spTgt spid="32"/>
+                                        </p:tgtEl>
+                                        <p:attrNameLst>
+                                          <p:attrName>style.visibility</p:attrName>
+                                        </p:attrNameLst>
+                                      </p:cBhvr>
+                                      <p:to>
+                                        <p:strVal val="visible"/>
+                                      </p:to>
+                                    </p:set>
+                                    <p:animEffect transition="in" filter="fade">
+                                      <p:cBhvr>
+                                        <p:cTn id="86" dur="500"/>
+                                        <p:tgtEl>
+                                          <p:spTgt spid="32"/>
                                         </p:tgtEl>
                                       </p:cBhvr>
                                     </p:animEffect>
@@ -4394,14 +4841,17 @@
     </p:tnLst>
     <p:bldLst>
       <p:bldP spid="34" grpId="0" animBg="1"/>
-      <p:bldP spid="4" grpId="0" animBg="1"/>
       <p:bldP spid="6" grpId="0" animBg="1"/>
       <p:bldP spid="32" grpId="0" animBg="1"/>
       <p:bldP spid="35" grpId="0" animBg="1"/>
-      <p:bldP spid="37" grpId="0" animBg="1"/>
       <p:bldP spid="52" grpId="0" animBg="1"/>
       <p:bldP spid="63" grpId="0" animBg="1"/>
       <p:bldP spid="64" grpId="0" animBg="1"/>
+      <p:bldP spid="19" grpId="0" animBg="1"/>
+      <p:bldP spid="21" grpId="0" animBg="1"/>
+      <p:bldP spid="26" grpId="0" animBg="1"/>
+      <p:bldP spid="36" grpId="0" animBg="1"/>
+      <p:bldP spid="38" grpId="0" animBg="1"/>
     </p:bldLst>
   </p:timing>
 </p:sld>
